--- a/Presentacion-kadabra.pptx
+++ b/Presentacion-kadabra.pptx
@@ -6,19 +6,21 @@
     <p:sldMasterId id="2147483687" r:id="rId5"/>
   </p:sldMasterIdLst>
   <p:notesMasterIdLst>
-    <p:notesMasterId r:id="rId13"/>
+    <p:notesMasterId r:id="rId15"/>
   </p:notesMasterIdLst>
   <p:handoutMasterIdLst>
-    <p:handoutMasterId r:id="rId14"/>
+    <p:handoutMasterId r:id="rId16"/>
   </p:handoutMasterIdLst>
   <p:sldIdLst>
     <p:sldId id="257" r:id="rId6"/>
     <p:sldId id="840" r:id="rId7"/>
-    <p:sldId id="841" r:id="rId8"/>
-    <p:sldId id="842" r:id="rId9"/>
-    <p:sldId id="843" r:id="rId10"/>
-    <p:sldId id="844" r:id="rId11"/>
-    <p:sldId id="663" r:id="rId12"/>
+    <p:sldId id="845" r:id="rId8"/>
+    <p:sldId id="847" r:id="rId9"/>
+    <p:sldId id="841" r:id="rId10"/>
+    <p:sldId id="848" r:id="rId11"/>
+    <p:sldId id="846" r:id="rId12"/>
+    <p:sldId id="849" r:id="rId13"/>
+    <p:sldId id="663" r:id="rId14"/>
   </p:sldIdLst>
   <p:sldSz cx="9144000" cy="6858000" type="screen4x3"/>
   <p:notesSz cx="6797675" cy="9856788"/>
@@ -851,6 +853,14 @@
           <a:bodyPr/>
           <a:lstStyle/>
           <a:p>
+            <a:r>
+              <a:rPr lang="es-PE" dirty="0" smtClean="0"/>
+              <a:t>Marcelo en esta parte solo muestro los costos en base a las horas estimadas de desarrollo por fase  y con un equipo de 40</a:t>
+            </a:r>
+            <a:r>
+              <a:rPr lang="es-PE" baseline="0" dirty="0" smtClean="0"/>
+              <a:t> personas</a:t>
+            </a:r>
             <a:endParaRPr lang="es-PE" dirty="0"/>
           </a:p>
         </p:txBody>
@@ -873,7 +883,7 @@
             <a:fld id="{2927587F-7C63-4FB0-9773-440AAAB8BC0E}" type="slidenum">
               <a:rPr lang="es-ES_tradnl" smtClean="0"/>
               <a:pPr/>
-              <a:t>3</a:t>
+              <a:t>5</a:t>
             </a:fld>
             <a:endParaRPr lang="es-ES_tradnl" dirty="0"/>
           </a:p>
@@ -958,7 +968,7 @@
             <a:fld id="{2927587F-7C63-4FB0-9773-440AAAB8BC0E}" type="slidenum">
               <a:rPr lang="es-ES_tradnl" smtClean="0"/>
               <a:pPr/>
-              <a:t>4</a:t>
+              <a:t>7</a:t>
             </a:fld>
             <a:endParaRPr lang="es-ES_tradnl" dirty="0"/>
           </a:p>
@@ -967,177 +977,7 @@
     </p:spTree>
     <p:extLst>
       <p:ext uri="{BB962C8B-B14F-4D97-AF65-F5344CB8AC3E}">
-        <p14:creationId xmlns:p14="http://schemas.microsoft.com/office/powerpoint/2010/main" val="2129498855"/>
-      </p:ext>
-    </p:extLst>
-  </p:cSld>
-  <p:clrMapOvr>
-    <a:masterClrMapping/>
-  </p:clrMapOvr>
-</p:notes>
-</file>
-
-<file path=ppt/notesSlides/notesSlide4.xml><?xml version="1.0" encoding="utf-8"?>
-<p:notes xmlns:a="http://schemas.openxmlformats.org/drawingml/2006/main" xmlns:r="http://schemas.openxmlformats.org/officeDocument/2006/relationships" xmlns:p="http://schemas.openxmlformats.org/presentationml/2006/main">
-  <p:cSld>
-    <p:spTree>
-      <p:nvGrpSpPr>
-        <p:cNvPr id="1" name=""/>
-        <p:cNvGrpSpPr/>
-        <p:nvPr/>
-      </p:nvGrpSpPr>
-      <p:grpSpPr>
-        <a:xfrm>
-          <a:off x="0" y="0"/>
-          <a:ext cx="0" cy="0"/>
-          <a:chOff x="0" y="0"/>
-          <a:chExt cx="0" cy="0"/>
-        </a:xfrm>
-      </p:grpSpPr>
-      <p:sp>
-        <p:nvSpPr>
-          <p:cNvPr id="2" name="Marcador de imagen de diapositiva 1"/>
-          <p:cNvSpPr>
-            <a:spLocks noGrp="1" noRot="1" noChangeAspect="1"/>
-          </p:cNvSpPr>
-          <p:nvPr>
-            <p:ph type="sldImg"/>
-          </p:nvPr>
-        </p:nvSpPr>
-        <p:spPr/>
-      </p:sp>
-      <p:sp>
-        <p:nvSpPr>
-          <p:cNvPr id="3" name="Marcador de notas 2"/>
-          <p:cNvSpPr>
-            <a:spLocks noGrp="1"/>
-          </p:cNvSpPr>
-          <p:nvPr>
-            <p:ph type="body" idx="1"/>
-          </p:nvPr>
-        </p:nvSpPr>
-        <p:spPr/>
-        <p:txBody>
-          <a:bodyPr/>
-          <a:lstStyle/>
-          <a:p>
-            <a:endParaRPr lang="es-PE" dirty="0"/>
-          </a:p>
-        </p:txBody>
-      </p:sp>
-      <p:sp>
-        <p:nvSpPr>
-          <p:cNvPr id="4" name="Marcador de número de diapositiva 3"/>
-          <p:cNvSpPr>
-            <a:spLocks noGrp="1"/>
-          </p:cNvSpPr>
-          <p:nvPr>
-            <p:ph type="sldNum" sz="quarter" idx="10"/>
-          </p:nvPr>
-        </p:nvSpPr>
-        <p:spPr/>
-        <p:txBody>
-          <a:bodyPr/>
-          <a:lstStyle/>
-          <a:p>
-            <a:fld id="{2927587F-7C63-4FB0-9773-440AAAB8BC0E}" type="slidenum">
-              <a:rPr lang="es-ES_tradnl" smtClean="0"/>
-              <a:pPr/>
-              <a:t>5</a:t>
-            </a:fld>
-            <a:endParaRPr lang="es-ES_tradnl" dirty="0"/>
-          </a:p>
-        </p:txBody>
-      </p:sp>
-    </p:spTree>
-    <p:extLst>
-      <p:ext uri="{BB962C8B-B14F-4D97-AF65-F5344CB8AC3E}">
-        <p14:creationId xmlns:p14="http://schemas.microsoft.com/office/powerpoint/2010/main" val="3017233471"/>
-      </p:ext>
-    </p:extLst>
-  </p:cSld>
-  <p:clrMapOvr>
-    <a:masterClrMapping/>
-  </p:clrMapOvr>
-</p:notes>
-</file>
-
-<file path=ppt/notesSlides/notesSlide5.xml><?xml version="1.0" encoding="utf-8"?>
-<p:notes xmlns:a="http://schemas.openxmlformats.org/drawingml/2006/main" xmlns:r="http://schemas.openxmlformats.org/officeDocument/2006/relationships" xmlns:p="http://schemas.openxmlformats.org/presentationml/2006/main">
-  <p:cSld>
-    <p:spTree>
-      <p:nvGrpSpPr>
-        <p:cNvPr id="1" name=""/>
-        <p:cNvGrpSpPr/>
-        <p:nvPr/>
-      </p:nvGrpSpPr>
-      <p:grpSpPr>
-        <a:xfrm>
-          <a:off x="0" y="0"/>
-          <a:ext cx="0" cy="0"/>
-          <a:chOff x="0" y="0"/>
-          <a:chExt cx="0" cy="0"/>
-        </a:xfrm>
-      </p:grpSpPr>
-      <p:sp>
-        <p:nvSpPr>
-          <p:cNvPr id="2" name="Marcador de imagen de diapositiva 1"/>
-          <p:cNvSpPr>
-            <a:spLocks noGrp="1" noRot="1" noChangeAspect="1"/>
-          </p:cNvSpPr>
-          <p:nvPr>
-            <p:ph type="sldImg"/>
-          </p:nvPr>
-        </p:nvSpPr>
-        <p:spPr/>
-      </p:sp>
-      <p:sp>
-        <p:nvSpPr>
-          <p:cNvPr id="3" name="Marcador de notas 2"/>
-          <p:cNvSpPr>
-            <a:spLocks noGrp="1"/>
-          </p:cNvSpPr>
-          <p:nvPr>
-            <p:ph type="body" idx="1"/>
-          </p:nvPr>
-        </p:nvSpPr>
-        <p:spPr/>
-        <p:txBody>
-          <a:bodyPr/>
-          <a:lstStyle/>
-          <a:p>
-            <a:endParaRPr lang="es-PE" dirty="0"/>
-          </a:p>
-        </p:txBody>
-      </p:sp>
-      <p:sp>
-        <p:nvSpPr>
-          <p:cNvPr id="4" name="Marcador de número de diapositiva 3"/>
-          <p:cNvSpPr>
-            <a:spLocks noGrp="1"/>
-          </p:cNvSpPr>
-          <p:nvPr>
-            <p:ph type="sldNum" sz="quarter" idx="10"/>
-          </p:nvPr>
-        </p:nvSpPr>
-        <p:spPr/>
-        <p:txBody>
-          <a:bodyPr/>
-          <a:lstStyle/>
-          <a:p>
-            <a:fld id="{2927587F-7C63-4FB0-9773-440AAAB8BC0E}" type="slidenum">
-              <a:rPr lang="es-ES_tradnl" smtClean="0"/>
-              <a:pPr/>
-              <a:t>6</a:t>
-            </a:fld>
-            <a:endParaRPr lang="es-ES_tradnl" dirty="0"/>
-          </a:p>
-        </p:txBody>
-      </p:sp>
-    </p:spTree>
-    <p:extLst>
-      <p:ext uri="{BB962C8B-B14F-4D97-AF65-F5344CB8AC3E}">
-        <p14:creationId xmlns:p14="http://schemas.microsoft.com/office/powerpoint/2010/main" val="3077998950"/>
+        <p14:creationId xmlns:p14="http://schemas.microsoft.com/office/powerpoint/2010/main" val="3757456954"/>
       </p:ext>
     </p:extLst>
   </p:cSld>
@@ -9896,6 +9736,13 @@
   <p:clrMapOvr>
     <a:masterClrMapping/>
   </p:clrMapOvr>
+  <p:timing>
+    <p:tnLst>
+      <p:par>
+        <p:cTn id="1" dur="indefinite" restart="never" nodeType="tmRoot"/>
+      </p:par>
+    </p:tnLst>
+  </p:timing>
 </p:sld>
 </file>
 
@@ -9918,219 +9765,60 @@
       </p:grpSpPr>
       <p:sp>
         <p:nvSpPr>
-          <p:cNvPr id="4" name="Título 1"/>
-          <p:cNvSpPr txBox="1">
-            <a:spLocks/>
-          </p:cNvSpPr>
-          <p:nvPr/>
-        </p:nvSpPr>
-        <p:spPr bwMode="auto">
-          <a:xfrm>
-            <a:off x="147263" y="285947"/>
-            <a:ext cx="8229600" cy="744216"/>
-          </a:xfrm>
-          <a:prstGeom prst="rect">
-            <a:avLst/>
-          </a:prstGeom>
-          <a:noFill/>
-          <a:ln>
-            <a:noFill/>
-          </a:ln>
-          <a:extLst>
-            <a:ext uri="{909E8E84-426E-40DD-AFC4-6F175D3DCCD1}">
-              <a14:hiddenFill xmlns:a14="http://schemas.microsoft.com/office/drawing/2010/main">
-                <a:solidFill>
-                  <a:srgbClr val="FFFFFF"/>
-                </a:solidFill>
-              </a14:hiddenFill>
-            </a:ext>
-            <a:ext uri="{91240B29-F687-4F45-9708-019B960494DF}">
-              <a14:hiddenLine xmlns:a14="http://schemas.microsoft.com/office/drawing/2010/main" w="9525">
-                <a:solidFill>
-                  <a:srgbClr val="000000"/>
-                </a:solidFill>
-                <a:miter lim="800000"/>
-                <a:headEnd/>
-                <a:tailEnd/>
-              </a14:hiddenLine>
-            </a:ext>
-          </a:extLst>
-        </p:spPr>
-        <p:txBody>
-          <a:bodyPr vert="horz" wrap="square" lIns="91440" tIns="45720" rIns="91440" bIns="45720" numCol="1" anchor="ctr" anchorCtr="0" compatLnSpc="1">
-            <a:prstTxWarp prst="textNoShape">
-              <a:avLst/>
-            </a:prstTxWarp>
-          </a:bodyPr>
-          <a:lstStyle>
-            <a:lvl1pPr algn="ctr" rtl="0" eaLnBrk="0" fontAlgn="base" hangingPunct="0">
-              <a:spcBef>
-                <a:spcPct val="0"/>
-              </a:spcBef>
-              <a:spcAft>
-                <a:spcPct val="0"/>
-              </a:spcAft>
-              <a:defRPr sz="4400" kern="1200">
-                <a:solidFill>
-                  <a:schemeClr val="tx1"/>
-                </a:solidFill>
-                <a:latin typeface="+mj-lt"/>
-                <a:ea typeface="+mj-ea"/>
-                <a:cs typeface="+mj-cs"/>
-              </a:defRPr>
-            </a:lvl1pPr>
-            <a:lvl2pPr algn="ctr" rtl="0" eaLnBrk="0" fontAlgn="base" hangingPunct="0">
-              <a:spcBef>
-                <a:spcPct val="0"/>
-              </a:spcBef>
-              <a:spcAft>
-                <a:spcPct val="0"/>
-              </a:spcAft>
-              <a:defRPr sz="4400">
-                <a:solidFill>
-                  <a:schemeClr val="tx1"/>
-                </a:solidFill>
-                <a:latin typeface="Calibri" pitchFamily="34" charset="0"/>
-              </a:defRPr>
-            </a:lvl2pPr>
-            <a:lvl3pPr algn="ctr" rtl="0" eaLnBrk="0" fontAlgn="base" hangingPunct="0">
-              <a:spcBef>
-                <a:spcPct val="0"/>
-              </a:spcBef>
-              <a:spcAft>
-                <a:spcPct val="0"/>
-              </a:spcAft>
-              <a:defRPr sz="4400">
-                <a:solidFill>
-                  <a:schemeClr val="tx1"/>
-                </a:solidFill>
-                <a:latin typeface="Calibri" pitchFamily="34" charset="0"/>
-              </a:defRPr>
-            </a:lvl3pPr>
-            <a:lvl4pPr algn="ctr" rtl="0" eaLnBrk="0" fontAlgn="base" hangingPunct="0">
-              <a:spcBef>
-                <a:spcPct val="0"/>
-              </a:spcBef>
-              <a:spcAft>
-                <a:spcPct val="0"/>
-              </a:spcAft>
-              <a:defRPr sz="4400">
-                <a:solidFill>
-                  <a:schemeClr val="tx1"/>
-                </a:solidFill>
-                <a:latin typeface="Calibri" pitchFamily="34" charset="0"/>
-              </a:defRPr>
-            </a:lvl4pPr>
-            <a:lvl5pPr algn="ctr" rtl="0" eaLnBrk="0" fontAlgn="base" hangingPunct="0">
-              <a:spcBef>
-                <a:spcPct val="0"/>
-              </a:spcBef>
-              <a:spcAft>
-                <a:spcPct val="0"/>
-              </a:spcAft>
-              <a:defRPr sz="4400">
-                <a:solidFill>
-                  <a:schemeClr val="tx1"/>
-                </a:solidFill>
-                <a:latin typeface="Calibri" pitchFamily="34" charset="0"/>
-              </a:defRPr>
-            </a:lvl5pPr>
-            <a:lvl6pPr marL="457200" algn="ctr" rtl="0" fontAlgn="base">
-              <a:spcBef>
-                <a:spcPct val="0"/>
-              </a:spcBef>
-              <a:spcAft>
-                <a:spcPct val="0"/>
-              </a:spcAft>
-              <a:defRPr sz="4400">
-                <a:solidFill>
-                  <a:schemeClr val="tx1"/>
-                </a:solidFill>
-                <a:latin typeface="Calibri" pitchFamily="34" charset="0"/>
-              </a:defRPr>
-            </a:lvl6pPr>
-            <a:lvl7pPr marL="914400" algn="ctr" rtl="0" fontAlgn="base">
-              <a:spcBef>
-                <a:spcPct val="0"/>
-              </a:spcBef>
-              <a:spcAft>
-                <a:spcPct val="0"/>
-              </a:spcAft>
-              <a:defRPr sz="4400">
-                <a:solidFill>
-                  <a:schemeClr val="tx1"/>
-                </a:solidFill>
-                <a:latin typeface="Calibri" pitchFamily="34" charset="0"/>
-              </a:defRPr>
-            </a:lvl7pPr>
-            <a:lvl8pPr marL="1371600" algn="ctr" rtl="0" fontAlgn="base">
-              <a:spcBef>
-                <a:spcPct val="0"/>
-              </a:spcBef>
-              <a:spcAft>
-                <a:spcPct val="0"/>
-              </a:spcAft>
-              <a:defRPr sz="4400">
-                <a:solidFill>
-                  <a:schemeClr val="tx1"/>
-                </a:solidFill>
-                <a:latin typeface="Calibri" pitchFamily="34" charset="0"/>
-              </a:defRPr>
-            </a:lvl8pPr>
-            <a:lvl9pPr marL="1828800" algn="ctr" rtl="0" fontAlgn="base">
-              <a:spcBef>
-                <a:spcPct val="0"/>
-              </a:spcBef>
-              <a:spcAft>
-                <a:spcPct val="0"/>
-              </a:spcAft>
-              <a:defRPr sz="4400">
-                <a:solidFill>
-                  <a:schemeClr val="tx1"/>
-                </a:solidFill>
-                <a:latin typeface="Calibri" pitchFamily="34" charset="0"/>
-              </a:defRPr>
-            </a:lvl9pPr>
-          </a:lstStyle>
-          <a:p>
-            <a:pPr algn="l" defTabSz="914400"/>
-            <a:r>
-              <a:rPr lang="es-PE" dirty="0">
+          <p:cNvPr id="2" name="Título 1"/>
+          <p:cNvSpPr>
+            <a:spLocks noGrp="1"/>
+          </p:cNvSpPr>
+          <p:nvPr>
+            <p:ph type="title"/>
+          </p:nvPr>
+        </p:nvSpPr>
+        <p:spPr/>
+        <p:txBody>
+          <a:bodyPr/>
+          <a:lstStyle/>
+          <a:p>
+            <a:pPr algn="l"/>
+            <a:r>
+              <a:rPr lang="es-PE" dirty="0" smtClean="0">
                 <a:solidFill>
                   <a:schemeClr val="bg1"/>
                 </a:solidFill>
-                <a:latin typeface="Arial"/>
-                <a:ea typeface="Arial"/>
-                <a:cs typeface="Arial"/>
+                <a:latin typeface="Arial" panose="020B0604020202020204" pitchFamily="34" charset="0"/>
+                <a:cs typeface="Arial" panose="020B0604020202020204" pitchFamily="34" charset="0"/>
               </a:rPr>
-              <a:t>Seguimiento de Actividades</a:t>
+              <a:t>Arquitectura</a:t>
             </a:r>
             <a:endParaRPr lang="es-PE" dirty="0">
               <a:solidFill>
                 <a:schemeClr val="bg1"/>
               </a:solidFill>
+              <a:latin typeface="Arial" panose="020B0604020202020204" pitchFamily="34" charset="0"/>
+              <a:cs typeface="Arial" panose="020B0604020202020204" pitchFamily="34" charset="0"/>
             </a:endParaRPr>
           </a:p>
         </p:txBody>
       </p:sp>
       <p:pic>
         <p:nvPicPr>
-          <p:cNvPr id="2" name="Imagen 1"/>
+          <p:cNvPr id="4" name="Picture 4"/>
           <p:cNvPicPr>
-            <a:picLocks noChangeAspect="1"/>
+            <a:picLocks noGrp="1"/>
           </p:cNvPicPr>
-          <p:nvPr/>
+          <p:nvPr>
+            <p:ph idx="1"/>
+          </p:nvPr>
         </p:nvPicPr>
         <p:blipFill>
-          <a:blip r:embed="rId3"/>
+          <a:blip r:embed="rId2"/>
           <a:stretch>
             <a:fillRect/>
           </a:stretch>
         </p:blipFill>
         <p:spPr>
           <a:xfrm>
-            <a:off x="1066773" y="1260389"/>
-            <a:ext cx="7310090" cy="5154955"/>
+            <a:off x="1031312" y="1234758"/>
+            <a:ext cx="7081375" cy="4525962"/>
           </a:xfrm>
           <a:prstGeom prst="rect">
             <a:avLst/>
@@ -10140,13 +9828,20 @@
     </p:spTree>
     <p:extLst>
       <p:ext uri="{BB962C8B-B14F-4D97-AF65-F5344CB8AC3E}">
-        <p14:creationId xmlns:p14="http://schemas.microsoft.com/office/powerpoint/2010/main" val="1088835940"/>
+        <p14:creationId xmlns:p14="http://schemas.microsoft.com/office/powerpoint/2010/main" val="288732379"/>
       </p:ext>
     </p:extLst>
   </p:cSld>
   <p:clrMapOvr>
     <a:masterClrMapping/>
   </p:clrMapOvr>
+  <p:timing>
+    <p:tnLst>
+      <p:par>
+        <p:cTn id="1" dur="indefinite" restart="never" nodeType="tmRoot"/>
+      </p:par>
+    </p:tnLst>
+  </p:timing>
 </p:sld>
 </file>
 
@@ -10169,696 +9864,114 @@
       </p:grpSpPr>
       <p:sp>
         <p:nvSpPr>
-          <p:cNvPr id="4" name="Título 1"/>
-          <p:cNvSpPr txBox="1">
-            <a:spLocks/>
-          </p:cNvSpPr>
+          <p:cNvPr id="2" name="Título 1"/>
+          <p:cNvSpPr>
+            <a:spLocks noGrp="1"/>
+          </p:cNvSpPr>
+          <p:nvPr>
+            <p:ph type="title"/>
+          </p:nvPr>
+        </p:nvSpPr>
+        <p:spPr>
+          <a:xfrm>
+            <a:off x="457200" y="274638"/>
+            <a:ext cx="8229600" cy="822642"/>
+          </a:xfrm>
+        </p:spPr>
+        <p:txBody>
+          <a:bodyPr/>
+          <a:lstStyle/>
+          <a:p>
+            <a:r>
+              <a:rPr lang="es-PE" dirty="0" smtClean="0">
+                <a:solidFill>
+                  <a:schemeClr val="bg1"/>
+                </a:solidFill>
+                <a:latin typeface="Arial"/>
+                <a:ea typeface="Arial"/>
+                <a:cs typeface="Arial"/>
+              </a:rPr>
+              <a:t/>
+            </a:r>
+            <a:br>
+              <a:rPr lang="es-PE" dirty="0" smtClean="0">
+                <a:solidFill>
+                  <a:schemeClr val="bg1"/>
+                </a:solidFill>
+                <a:latin typeface="Arial"/>
+                <a:ea typeface="Arial"/>
+                <a:cs typeface="Arial"/>
+              </a:rPr>
+            </a:br>
+            <a:r>
+              <a:rPr lang="es-PE" dirty="0" smtClean="0">
+                <a:solidFill>
+                  <a:schemeClr val="bg1"/>
+                </a:solidFill>
+                <a:latin typeface="Arial"/>
+                <a:ea typeface="Arial"/>
+                <a:cs typeface="Arial"/>
+              </a:rPr>
+              <a:t>Desarrollo </a:t>
+            </a:r>
+            <a:r>
+              <a:rPr lang="es-PE" dirty="0">
+                <a:solidFill>
+                  <a:schemeClr val="bg1"/>
+                </a:solidFill>
+                <a:latin typeface="Arial"/>
+                <a:ea typeface="Arial"/>
+                <a:cs typeface="Arial"/>
+              </a:rPr>
+              <a:t>– Sin IOP</a:t>
+            </a:r>
+            <a:r>
+              <a:rPr lang="es-PE" dirty="0">
+                <a:solidFill>
+                  <a:schemeClr val="bg1"/>
+                </a:solidFill>
+              </a:rPr>
+              <a:t/>
+            </a:r>
+            <a:br>
+              <a:rPr lang="es-PE" dirty="0">
+                <a:solidFill>
+                  <a:schemeClr val="bg1"/>
+                </a:solidFill>
+              </a:rPr>
+            </a:br>
+            <a:endParaRPr lang="es-PE" dirty="0"/>
+          </a:p>
+        </p:txBody>
+      </p:sp>
+      <p:pic>
+        <p:nvPicPr>
+          <p:cNvPr id="6" name="Imagen 5"/>
+          <p:cNvPicPr>
+            <a:picLocks noChangeAspect="1"/>
+          </p:cNvPicPr>
           <p:nvPr/>
-        </p:nvSpPr>
-        <p:spPr bwMode="auto">
+        </p:nvPicPr>
+        <p:blipFill>
+          <a:blip r:embed="rId2"/>
+          <a:stretch>
+            <a:fillRect/>
+          </a:stretch>
+        </p:blipFill>
+        <p:spPr>
           <a:xfrm>
-            <a:off x="147263" y="285947"/>
-            <a:ext cx="8229600" cy="744216"/>
+            <a:off x="386080" y="2579687"/>
+            <a:ext cx="8382184" cy="2388553"/>
           </a:xfrm>
           <a:prstGeom prst="rect">
             <a:avLst/>
           </a:prstGeom>
-          <a:noFill/>
-          <a:ln>
-            <a:noFill/>
-          </a:ln>
-          <a:extLst>
-            <a:ext uri="{909E8E84-426E-40DD-AFC4-6F175D3DCCD1}">
-              <a14:hiddenFill xmlns:a14="http://schemas.microsoft.com/office/drawing/2010/main">
-                <a:solidFill>
-                  <a:srgbClr val="FFFFFF"/>
-                </a:solidFill>
-              </a14:hiddenFill>
-            </a:ext>
-            <a:ext uri="{91240B29-F687-4F45-9708-019B960494DF}">
-              <a14:hiddenLine xmlns:a14="http://schemas.microsoft.com/office/drawing/2010/main" w="9525">
-                <a:solidFill>
-                  <a:srgbClr val="000000"/>
-                </a:solidFill>
-                <a:miter lim="800000"/>
-                <a:headEnd/>
-                <a:tailEnd/>
-              </a14:hiddenLine>
-            </a:ext>
-          </a:extLst>
         </p:spPr>
-        <p:txBody>
-          <a:bodyPr vert="horz" wrap="square" lIns="91440" tIns="45720" rIns="91440" bIns="45720" numCol="1" anchor="ctr" anchorCtr="0" compatLnSpc="1">
-            <a:prstTxWarp prst="textNoShape">
-              <a:avLst/>
-            </a:prstTxWarp>
-          </a:bodyPr>
-          <a:lstStyle>
-            <a:lvl1pPr algn="ctr" rtl="0" eaLnBrk="0" fontAlgn="base" hangingPunct="0">
-              <a:spcBef>
-                <a:spcPct val="0"/>
-              </a:spcBef>
-              <a:spcAft>
-                <a:spcPct val="0"/>
-              </a:spcAft>
-              <a:defRPr sz="4400" kern="1200">
-                <a:solidFill>
-                  <a:schemeClr val="tx1"/>
-                </a:solidFill>
-                <a:latin typeface="+mj-lt"/>
-                <a:ea typeface="+mj-ea"/>
-                <a:cs typeface="+mj-cs"/>
-              </a:defRPr>
-            </a:lvl1pPr>
-            <a:lvl2pPr algn="ctr" rtl="0" eaLnBrk="0" fontAlgn="base" hangingPunct="0">
-              <a:spcBef>
-                <a:spcPct val="0"/>
-              </a:spcBef>
-              <a:spcAft>
-                <a:spcPct val="0"/>
-              </a:spcAft>
-              <a:defRPr sz="4400">
-                <a:solidFill>
-                  <a:schemeClr val="tx1"/>
-                </a:solidFill>
-                <a:latin typeface="Calibri" pitchFamily="34" charset="0"/>
-              </a:defRPr>
-            </a:lvl2pPr>
-            <a:lvl3pPr algn="ctr" rtl="0" eaLnBrk="0" fontAlgn="base" hangingPunct="0">
-              <a:spcBef>
-                <a:spcPct val="0"/>
-              </a:spcBef>
-              <a:spcAft>
-                <a:spcPct val="0"/>
-              </a:spcAft>
-              <a:defRPr sz="4400">
-                <a:solidFill>
-                  <a:schemeClr val="tx1"/>
-                </a:solidFill>
-                <a:latin typeface="Calibri" pitchFamily="34" charset="0"/>
-              </a:defRPr>
-            </a:lvl3pPr>
-            <a:lvl4pPr algn="ctr" rtl="0" eaLnBrk="0" fontAlgn="base" hangingPunct="0">
-              <a:spcBef>
-                <a:spcPct val="0"/>
-              </a:spcBef>
-              <a:spcAft>
-                <a:spcPct val="0"/>
-              </a:spcAft>
-              <a:defRPr sz="4400">
-                <a:solidFill>
-                  <a:schemeClr val="tx1"/>
-                </a:solidFill>
-                <a:latin typeface="Calibri" pitchFamily="34" charset="0"/>
-              </a:defRPr>
-            </a:lvl4pPr>
-            <a:lvl5pPr algn="ctr" rtl="0" eaLnBrk="0" fontAlgn="base" hangingPunct="0">
-              <a:spcBef>
-                <a:spcPct val="0"/>
-              </a:spcBef>
-              <a:spcAft>
-                <a:spcPct val="0"/>
-              </a:spcAft>
-              <a:defRPr sz="4400">
-                <a:solidFill>
-                  <a:schemeClr val="tx1"/>
-                </a:solidFill>
-                <a:latin typeface="Calibri" pitchFamily="34" charset="0"/>
-              </a:defRPr>
-            </a:lvl5pPr>
-            <a:lvl6pPr marL="457200" algn="ctr" rtl="0" fontAlgn="base">
-              <a:spcBef>
-                <a:spcPct val="0"/>
-              </a:spcBef>
-              <a:spcAft>
-                <a:spcPct val="0"/>
-              </a:spcAft>
-              <a:defRPr sz="4400">
-                <a:solidFill>
-                  <a:schemeClr val="tx1"/>
-                </a:solidFill>
-                <a:latin typeface="Calibri" pitchFamily="34" charset="0"/>
-              </a:defRPr>
-            </a:lvl6pPr>
-            <a:lvl7pPr marL="914400" algn="ctr" rtl="0" fontAlgn="base">
-              <a:spcBef>
-                <a:spcPct val="0"/>
-              </a:spcBef>
-              <a:spcAft>
-                <a:spcPct val="0"/>
-              </a:spcAft>
-              <a:defRPr sz="4400">
-                <a:solidFill>
-                  <a:schemeClr val="tx1"/>
-                </a:solidFill>
-                <a:latin typeface="Calibri" pitchFamily="34" charset="0"/>
-              </a:defRPr>
-            </a:lvl7pPr>
-            <a:lvl8pPr marL="1371600" algn="ctr" rtl="0" fontAlgn="base">
-              <a:spcBef>
-                <a:spcPct val="0"/>
-              </a:spcBef>
-              <a:spcAft>
-                <a:spcPct val="0"/>
-              </a:spcAft>
-              <a:defRPr sz="4400">
-                <a:solidFill>
-                  <a:schemeClr val="tx1"/>
-                </a:solidFill>
-                <a:latin typeface="Calibri" pitchFamily="34" charset="0"/>
-              </a:defRPr>
-            </a:lvl8pPr>
-            <a:lvl9pPr marL="1828800" algn="ctr" rtl="0" fontAlgn="base">
-              <a:spcBef>
-                <a:spcPct val="0"/>
-              </a:spcBef>
-              <a:spcAft>
-                <a:spcPct val="0"/>
-              </a:spcAft>
-              <a:defRPr sz="4400">
-                <a:solidFill>
-                  <a:schemeClr val="tx1"/>
-                </a:solidFill>
-                <a:latin typeface="Calibri" pitchFamily="34" charset="0"/>
-              </a:defRPr>
-            </a:lvl9pPr>
-          </a:lstStyle>
-          <a:p>
-            <a:pPr algn="l" defTabSz="914400"/>
-            <a:r>
-              <a:rPr lang="es-PE" dirty="0">
-                <a:solidFill>
-                  <a:schemeClr val="bg1"/>
-                </a:solidFill>
-                <a:latin typeface="Arial"/>
-                <a:ea typeface="Arial"/>
-                <a:cs typeface="Arial"/>
-              </a:rPr>
-              <a:t>Actividades Pendientes</a:t>
-            </a:r>
-            <a:endParaRPr lang="es-PE" dirty="0">
-              <a:solidFill>
-                <a:schemeClr val="bg1"/>
-              </a:solidFill>
-            </a:endParaRPr>
-          </a:p>
-        </p:txBody>
-      </p:sp>
-      <p:graphicFrame>
-        <p:nvGraphicFramePr>
-          <p:cNvPr id="2" name="Tabla 1"/>
-          <p:cNvGraphicFramePr>
-            <a:graphicFrameLocks noGrp="1"/>
-          </p:cNvGraphicFramePr>
-          <p:nvPr>
-            <p:extLst>
-              <p:ext uri="{D42A27DB-BD31-4B8C-83A1-F6EECF244321}">
-                <p14:modId xmlns:p14="http://schemas.microsoft.com/office/powerpoint/2010/main" val="1289200618"/>
-              </p:ext>
-            </p:extLst>
-          </p:nvPr>
-        </p:nvGraphicFramePr>
-        <p:xfrm>
-          <a:off x="147263" y="1854199"/>
-          <a:ext cx="8650748" cy="4002594"/>
-        </p:xfrm>
-        <a:graphic>
-          <a:graphicData uri="http://schemas.openxmlformats.org/drawingml/2006/table">
-            <a:tbl>
-              <a:tblPr firstRow="1" bandRow="1">
-                <a:tableStyleId>{5C22544A-7EE6-4342-B048-85BDC9FD1C3A}</a:tableStyleId>
-              </a:tblPr>
-              <a:tblGrid>
-                <a:gridCol w="907057">
-                  <a:extLst>
-                    <a:ext uri="{9D8B030D-6E8A-4147-A177-3AD203B41FA5}">
-                      <a16:colId xmlns:a16="http://schemas.microsoft.com/office/drawing/2014/main" val="6660775"/>
-                    </a:ext>
-                  </a:extLst>
-                </a:gridCol>
-                <a:gridCol w="1111834">
-                  <a:extLst>
-                    <a:ext uri="{9D8B030D-6E8A-4147-A177-3AD203B41FA5}">
-                      <a16:colId xmlns:a16="http://schemas.microsoft.com/office/drawing/2014/main" val="648925294"/>
-                    </a:ext>
-                  </a:extLst>
-                </a:gridCol>
-                <a:gridCol w="4999597">
-                  <a:extLst>
-                    <a:ext uri="{9D8B030D-6E8A-4147-A177-3AD203B41FA5}">
-                      <a16:colId xmlns:a16="http://schemas.microsoft.com/office/drawing/2014/main" val="3223036620"/>
-                    </a:ext>
-                  </a:extLst>
-                </a:gridCol>
-                <a:gridCol w="1632260">
-                  <a:extLst>
-                    <a:ext uri="{9D8B030D-6E8A-4147-A177-3AD203B41FA5}">
-                      <a16:colId xmlns:a16="http://schemas.microsoft.com/office/drawing/2014/main" val="3309679204"/>
-                    </a:ext>
-                  </a:extLst>
-                </a:gridCol>
-              </a:tblGrid>
-              <a:tr h="493585">
-                <a:tc>
-                  <a:txBody>
-                    <a:bodyPr/>
-                    <a:lstStyle/>
-                    <a:p>
-                      <a:r>
-                        <a:rPr lang="es-PE" sz="1400" dirty="0"/>
-                        <a:t>Mapeo</a:t>
-                      </a:r>
-                      <a:r>
-                        <a:rPr lang="es-PE" sz="1400" baseline="0" dirty="0"/>
-                        <a:t> de Tablas</a:t>
-                      </a:r>
-                      <a:endParaRPr lang="es-PE" sz="1400" dirty="0"/>
-                    </a:p>
-                  </a:txBody>
-                  <a:tcPr/>
-                </a:tc>
-                <a:tc>
-                  <a:txBody>
-                    <a:bodyPr/>
-                    <a:lstStyle/>
-                    <a:p>
-                      <a:r>
-                        <a:rPr lang="es-PE" sz="1400" dirty="0"/>
-                        <a:t>Estado</a:t>
-                      </a:r>
-                    </a:p>
-                  </a:txBody>
-                  <a:tcPr/>
-                </a:tc>
-                <a:tc>
-                  <a:txBody>
-                    <a:bodyPr/>
-                    <a:lstStyle/>
-                    <a:p>
-                      <a:r>
-                        <a:rPr lang="es-PE" sz="1400" dirty="0"/>
-                        <a:t>Comentarios</a:t>
-                      </a:r>
-                    </a:p>
-                  </a:txBody>
-                  <a:tcPr/>
-                </a:tc>
-                <a:tc>
-                  <a:txBody>
-                    <a:bodyPr/>
-                    <a:lstStyle/>
-                    <a:p>
-                      <a:r>
-                        <a:rPr lang="es-PE" sz="1400" dirty="0"/>
-                        <a:t>Responsable</a:t>
-                      </a:r>
-                    </a:p>
-                  </a:txBody>
-                  <a:tcPr/>
-                </a:tc>
-                <a:extLst>
-                  <a:ext uri="{0D108BD9-81ED-4DB2-BD59-A6C34878D82A}">
-                    <a16:rowId xmlns:a16="http://schemas.microsoft.com/office/drawing/2014/main" val="1815030228"/>
-                  </a:ext>
-                </a:extLst>
-              </a:tr>
-              <a:tr h="741234">
-                <a:tc>
-                  <a:txBody>
-                    <a:bodyPr/>
-                    <a:lstStyle/>
-                    <a:p>
-                      <a:r>
-                        <a:rPr lang="es-PE" sz="1400" dirty="0"/>
-                        <a:t>Endosos</a:t>
-                      </a:r>
-                    </a:p>
-                  </a:txBody>
-                  <a:tcPr/>
-                </a:tc>
-                <a:tc>
-                  <a:txBody>
-                    <a:bodyPr/>
-                    <a:lstStyle/>
-                    <a:p>
-                      <a:r>
-                        <a:rPr lang="es-PE" sz="1400" dirty="0"/>
-                        <a:t>Retrasado</a:t>
-                      </a:r>
-                    </a:p>
-                    <a:p>
-                      <a:r>
-                        <a:rPr lang="es-PE" sz="1400" dirty="0"/>
-                        <a:t>(93%)</a:t>
-                      </a:r>
-                    </a:p>
-                  </a:txBody>
-                  <a:tcPr/>
-                </a:tc>
-                <a:tc>
-                  <a:txBody>
-                    <a:bodyPr/>
-                    <a:lstStyle/>
-                    <a:p>
-                      <a:r>
-                        <a:rPr lang="es-PE" sz="1400" dirty="0"/>
-                        <a:t>“Endoso </a:t>
-                      </a:r>
-                      <a:r>
-                        <a:rPr lang="es-PE" sz="1400" dirty="0" err="1"/>
-                        <a:t>Poliza</a:t>
-                      </a:r>
-                      <a:r>
-                        <a:rPr lang="es-PE" sz="1400" dirty="0"/>
-                        <a:t>”,</a:t>
-                      </a:r>
-                      <a:r>
-                        <a:rPr lang="es-PE" sz="1400" baseline="0" dirty="0"/>
-                        <a:t> falta </a:t>
-                      </a:r>
-                      <a:r>
-                        <a:rPr lang="es-PE" sz="1400" dirty="0"/>
-                        <a:t>Definir posibles</a:t>
-                      </a:r>
-                      <a:r>
-                        <a:rPr lang="es-PE" sz="1400" baseline="0" dirty="0"/>
-                        <a:t> valores al campo “Causal de Estado”</a:t>
-                      </a:r>
-                    </a:p>
-                    <a:p>
-                      <a:r>
-                        <a:rPr lang="es-PE" sz="1400" dirty="0"/>
-                        <a:t>“Endoso Beneficiario”, pendiente de enviar ejemplos de campos:</a:t>
-                      </a:r>
-                      <a:r>
-                        <a:rPr lang="es-PE" sz="1400" baseline="0" dirty="0"/>
-                        <a:t> </a:t>
-                      </a:r>
-                      <a:r>
-                        <a:rPr lang="es-PE" sz="1400" dirty="0" err="1"/>
-                        <a:t>cod_causal_estado_ben</a:t>
-                      </a:r>
-                      <a:r>
-                        <a:rPr lang="es-PE" sz="1400" dirty="0"/>
-                        <a:t>, </a:t>
-                      </a:r>
-                      <a:r>
-                        <a:rPr lang="es-PE" sz="1400" dirty="0" err="1"/>
-                        <a:t>fec_pagar_desde</a:t>
-                      </a:r>
-                      <a:r>
-                        <a:rPr lang="es-PE" sz="1400" dirty="0"/>
-                        <a:t>, </a:t>
-                      </a:r>
-                      <a:r>
-                        <a:rPr lang="es-PE" sz="1400" dirty="0" err="1"/>
-                        <a:t>fec_suspension_pago</a:t>
-                      </a:r>
-                      <a:endParaRPr lang="es-PE" sz="1400" dirty="0"/>
-                    </a:p>
-                    <a:p>
-                      <a:endParaRPr lang="es-PE" sz="1400" dirty="0"/>
-                    </a:p>
-                  </a:txBody>
-                  <a:tcPr/>
-                </a:tc>
-                <a:tc>
-                  <a:txBody>
-                    <a:bodyPr/>
-                    <a:lstStyle/>
-                    <a:p>
-                      <a:r>
-                        <a:rPr lang="es-PE" sz="1400" dirty="0" err="1"/>
-                        <a:t>Interseguro</a:t>
-                      </a:r>
-                      <a:endParaRPr lang="es-PE" sz="1400" dirty="0"/>
-                    </a:p>
-                    <a:p>
-                      <a:endParaRPr lang="es-PE" sz="1400" dirty="0"/>
-                    </a:p>
-                    <a:p>
-                      <a:r>
-                        <a:rPr lang="es-PE" sz="1400" dirty="0" err="1"/>
-                        <a:t>Interseguro</a:t>
-                      </a:r>
-                      <a:endParaRPr lang="es-PE" sz="1400" dirty="0"/>
-                    </a:p>
-                  </a:txBody>
-                  <a:tcPr/>
-                </a:tc>
-                <a:extLst>
-                  <a:ext uri="{0D108BD9-81ED-4DB2-BD59-A6C34878D82A}">
-                    <a16:rowId xmlns:a16="http://schemas.microsoft.com/office/drawing/2014/main" val="3042798932"/>
-                  </a:ext>
-                </a:extLst>
-              </a:tr>
-              <a:tr h="741234">
-                <a:tc>
-                  <a:txBody>
-                    <a:bodyPr/>
-                    <a:lstStyle/>
-                    <a:p>
-                      <a:r>
-                        <a:rPr lang="es-PE" sz="1400" dirty="0"/>
-                        <a:t>Pagos</a:t>
-                      </a:r>
-                    </a:p>
-                  </a:txBody>
-                  <a:tcPr/>
-                </a:tc>
-                <a:tc>
-                  <a:txBody>
-                    <a:bodyPr/>
-                    <a:lstStyle/>
-                    <a:p>
-                      <a:r>
-                        <a:rPr lang="es-PE" sz="1400" dirty="0"/>
-                        <a:t>Retrasado</a:t>
-                      </a:r>
-                    </a:p>
-                    <a:p>
-                      <a:r>
-                        <a:rPr lang="es-PE" sz="1400" dirty="0"/>
-                        <a:t>(82%)</a:t>
-                      </a:r>
-                    </a:p>
-                  </a:txBody>
-                  <a:tcPr/>
-                </a:tc>
-                <a:tc>
-                  <a:txBody>
-                    <a:bodyPr/>
-                    <a:lstStyle/>
-                    <a:p>
-                      <a:pPr marL="0" marR="0" lvl="0" indent="0" algn="l" defTabSz="914400" rtl="0" eaLnBrk="1" fontAlgn="auto" latinLnBrk="0" hangingPunct="1">
-                        <a:lnSpc>
-                          <a:spcPct val="100000"/>
-                        </a:lnSpc>
-                        <a:spcBef>
-                          <a:spcPts val="0"/>
-                        </a:spcBef>
-                        <a:spcAft>
-                          <a:spcPts val="0"/>
-                        </a:spcAft>
-                        <a:buClrTx/>
-                        <a:buSzTx/>
-                        <a:buFontTx/>
-                        <a:buNone/>
-                        <a:tabLst/>
-                        <a:defRPr/>
-                      </a:pPr>
-                      <a:r>
-                        <a:rPr lang="es-PE" sz="1400" dirty="0"/>
-                        <a:t>“Póliza”,</a:t>
-                      </a:r>
-                      <a:r>
-                        <a:rPr lang="es-PE" sz="1400" baseline="0" dirty="0"/>
-                        <a:t> campo “Fecha de envío MELER”, pendiente validación si Sura puede enviar “Fecha de cierre de cotización”.</a:t>
-                      </a:r>
-                    </a:p>
-                    <a:p>
-                      <a:r>
-                        <a:rPr lang="es-PE" sz="1400" dirty="0"/>
-                        <a:t>“Póliza”, campos “código de moneda de cotización y pago”, pendiente</a:t>
-                      </a:r>
-                      <a:r>
-                        <a:rPr lang="es-PE" sz="1400" baseline="0" dirty="0"/>
-                        <a:t> de armar la lógica para obtener el valor; detallar la lógica de los demás campos</a:t>
-                      </a:r>
-                    </a:p>
-                    <a:p>
-                      <a:r>
-                        <a:rPr lang="es-PE" sz="1400" baseline="0" dirty="0"/>
-                        <a:t>“Beneficiario”, </a:t>
-                      </a:r>
-                      <a:r>
-                        <a:rPr lang="es-PE" sz="1400" dirty="0"/>
-                        <a:t>pendiente de enviar ejemplos de campos:</a:t>
-                      </a:r>
-                      <a:r>
-                        <a:rPr lang="es-PE" sz="1400" baseline="0" dirty="0"/>
-                        <a:t> </a:t>
-                      </a:r>
-                      <a:r>
-                        <a:rPr lang="es-PE" sz="1400" dirty="0" err="1"/>
-                        <a:t>cod_causal_estado_ben</a:t>
-                      </a:r>
-                      <a:r>
-                        <a:rPr lang="es-PE" sz="1400" dirty="0"/>
-                        <a:t>, </a:t>
-                      </a:r>
-                      <a:r>
-                        <a:rPr lang="es-PE" sz="1400" dirty="0" err="1"/>
-                        <a:t>fec_pagar_desde</a:t>
-                      </a:r>
-                      <a:r>
-                        <a:rPr lang="es-PE" sz="1400" dirty="0"/>
-                        <a:t>, </a:t>
-                      </a:r>
-                      <a:r>
-                        <a:rPr lang="es-PE" sz="1400" dirty="0" err="1"/>
-                        <a:t>fec_suspension_pago</a:t>
-                      </a:r>
-                      <a:endParaRPr lang="es-PE" sz="1400" dirty="0"/>
-                    </a:p>
-                  </a:txBody>
-                  <a:tcPr/>
-                </a:tc>
-                <a:tc>
-                  <a:txBody>
-                    <a:bodyPr/>
-                    <a:lstStyle/>
-                    <a:p>
-                      <a:r>
-                        <a:rPr lang="es-PE" sz="1400" dirty="0" err="1"/>
-                        <a:t>Interseguro</a:t>
-                      </a:r>
-                      <a:endParaRPr lang="es-PE" sz="1400" dirty="0"/>
-                    </a:p>
-                    <a:p>
-                      <a:endParaRPr lang="es-PE" sz="1400" dirty="0"/>
-                    </a:p>
-                    <a:p>
-                      <a:r>
-                        <a:rPr lang="es-PE" sz="1400" dirty="0"/>
-                        <a:t>Sura</a:t>
-                      </a:r>
-                    </a:p>
-                    <a:p>
-                      <a:endParaRPr lang="es-PE" sz="1400" dirty="0"/>
-                    </a:p>
-                    <a:p>
-                      <a:endParaRPr lang="es-PE" sz="1400" dirty="0"/>
-                    </a:p>
-                    <a:p>
-                      <a:r>
-                        <a:rPr lang="es-PE" sz="1400" dirty="0" err="1"/>
-                        <a:t>Interseguro</a:t>
-                      </a:r>
-                      <a:endParaRPr lang="es-PE" sz="1400" dirty="0"/>
-                    </a:p>
-                  </a:txBody>
-                  <a:tcPr/>
-                </a:tc>
-                <a:extLst>
-                  <a:ext uri="{0D108BD9-81ED-4DB2-BD59-A6C34878D82A}">
-                    <a16:rowId xmlns:a16="http://schemas.microsoft.com/office/drawing/2014/main" val="3594689390"/>
-                  </a:ext>
-                </a:extLst>
-              </a:tr>
-              <a:tr h="741234">
-                <a:tc>
-                  <a:txBody>
-                    <a:bodyPr/>
-                    <a:lstStyle/>
-                    <a:p>
-                      <a:r>
-                        <a:rPr lang="es-PE" sz="1400" dirty="0"/>
-                        <a:t>Personas</a:t>
-                      </a:r>
-                    </a:p>
-                  </a:txBody>
-                  <a:tcPr/>
-                </a:tc>
-                <a:tc>
-                  <a:txBody>
-                    <a:bodyPr/>
-                    <a:lstStyle/>
-                    <a:p>
-                      <a:r>
-                        <a:rPr lang="es-PE" sz="1400" dirty="0"/>
-                        <a:t>En Progreso</a:t>
-                      </a:r>
-                    </a:p>
-                    <a:p>
-                      <a:r>
-                        <a:rPr lang="es-PE" sz="1400" dirty="0"/>
-                        <a:t>(80%)</a:t>
-                      </a:r>
-                    </a:p>
-                  </a:txBody>
-                  <a:tcPr/>
-                </a:tc>
-                <a:tc>
-                  <a:txBody>
-                    <a:bodyPr/>
-                    <a:lstStyle/>
-                    <a:p>
-                      <a:r>
-                        <a:rPr lang="es-PE" sz="1400" dirty="0"/>
-                        <a:t>“Personas”, pendiente que validen los casos de Persona</a:t>
-                      </a:r>
-                      <a:r>
-                        <a:rPr lang="es-PE" sz="1400" baseline="0" dirty="0"/>
-                        <a:t> Jurídica</a:t>
-                      </a:r>
-                    </a:p>
-                    <a:p>
-                      <a:r>
-                        <a:rPr lang="es-PE" sz="1400" baseline="0" dirty="0"/>
-                        <a:t>“Personas”, cód. país de Origen, falta revisar los casos del PDT</a:t>
-                      </a:r>
-                    </a:p>
-                    <a:p>
-                      <a:endParaRPr lang="es-PE" sz="1400" dirty="0"/>
-                    </a:p>
-                  </a:txBody>
-                  <a:tcPr/>
-                </a:tc>
-                <a:tc>
-                  <a:txBody>
-                    <a:bodyPr/>
-                    <a:lstStyle/>
-                    <a:p>
-                      <a:r>
-                        <a:rPr lang="es-PE" sz="1400" dirty="0" err="1"/>
-                        <a:t>Interseguro</a:t>
-                      </a:r>
-                      <a:endParaRPr lang="es-PE" sz="1400" dirty="0"/>
-                    </a:p>
-                    <a:p>
-                      <a:r>
-                        <a:rPr lang="es-PE" sz="1400" dirty="0"/>
-                        <a:t>Sura</a:t>
-                      </a:r>
-                    </a:p>
-                  </a:txBody>
-                  <a:tcPr/>
-                </a:tc>
-                <a:extLst>
-                  <a:ext uri="{0D108BD9-81ED-4DB2-BD59-A6C34878D82A}">
-                    <a16:rowId xmlns:a16="http://schemas.microsoft.com/office/drawing/2014/main" val="2955770910"/>
-                  </a:ext>
-                </a:extLst>
-              </a:tr>
-            </a:tbl>
-          </a:graphicData>
-        </a:graphic>
-      </p:graphicFrame>
+      </p:pic>
     </p:spTree>
     <p:extLst>
       <p:ext uri="{BB962C8B-B14F-4D97-AF65-F5344CB8AC3E}">
-        <p14:creationId xmlns:p14="http://schemas.microsoft.com/office/powerpoint/2010/main" val="1704437404"/>
+        <p14:creationId xmlns:p14="http://schemas.microsoft.com/office/powerpoint/2010/main" val="3760990136"/>
       </p:ext>
     </p:extLst>
   </p:cSld>
@@ -11064,7 +10177,7 @@
           <a:p>
             <a:pPr algn="l" defTabSz="914400"/>
             <a:r>
-              <a:rPr lang="es-PE" dirty="0">
+              <a:rPr lang="es-PE" dirty="0" smtClean="0">
                 <a:solidFill>
                   <a:schemeClr val="bg1"/>
                 </a:solidFill>
@@ -11072,7 +10185,7 @@
                 <a:ea typeface="Arial"/>
                 <a:cs typeface="Arial"/>
               </a:rPr>
-              <a:t>Acuerdos</a:t>
+              <a:t>Costos Desarrollo – Sin IOP</a:t>
             </a:r>
             <a:endParaRPr lang="es-PE" dirty="0">
               <a:solidFill>
@@ -11082,282 +10195,71 @@
           </a:p>
         </p:txBody>
       </p:sp>
-      <p:graphicFrame>
-        <p:nvGraphicFramePr>
-          <p:cNvPr id="5" name="Tabla 4"/>
-          <p:cNvGraphicFramePr>
-            <a:graphicFrameLocks noGrp="1"/>
-          </p:cNvGraphicFramePr>
-          <p:nvPr>
-            <p:extLst>
-              <p:ext uri="{D42A27DB-BD31-4B8C-83A1-F6EECF244321}">
-                <p14:modId xmlns:p14="http://schemas.microsoft.com/office/powerpoint/2010/main" val="2688899647"/>
-              </p:ext>
-            </p:extLst>
-          </p:nvPr>
-        </p:nvGraphicFramePr>
-        <p:xfrm>
-          <a:off x="690960" y="1557637"/>
-          <a:ext cx="8107051" cy="3458521"/>
-        </p:xfrm>
-        <a:graphic>
-          <a:graphicData uri="http://schemas.openxmlformats.org/drawingml/2006/table">
-            <a:tbl>
-              <a:tblPr firstRow="1" bandRow="1">
-                <a:tableStyleId>{5C22544A-7EE6-4342-B048-85BDC9FD1C3A}</a:tableStyleId>
-              </a:tblPr>
-              <a:tblGrid>
-                <a:gridCol w="1244962">
-                  <a:extLst>
-                    <a:ext uri="{9D8B030D-6E8A-4147-A177-3AD203B41FA5}">
-                      <a16:colId xmlns:a16="http://schemas.microsoft.com/office/drawing/2014/main" val="6660775"/>
-                    </a:ext>
-                  </a:extLst>
-                </a:gridCol>
-                <a:gridCol w="6862089">
-                  <a:extLst>
-                    <a:ext uri="{9D8B030D-6E8A-4147-A177-3AD203B41FA5}">
-                      <a16:colId xmlns:a16="http://schemas.microsoft.com/office/drawing/2014/main" val="3223036620"/>
-                    </a:ext>
-                  </a:extLst>
-                </a:gridCol>
-              </a:tblGrid>
-              <a:tr h="493585">
-                <a:tc>
-                  <a:txBody>
-                    <a:bodyPr/>
-                    <a:lstStyle/>
-                    <a:p>
-                      <a:r>
-                        <a:rPr lang="es-PE" sz="1400" dirty="0"/>
-                        <a:t>Actividad</a:t>
-                      </a:r>
-                    </a:p>
-                  </a:txBody>
-                  <a:tcPr/>
-                </a:tc>
-                <a:tc>
-                  <a:txBody>
-                    <a:bodyPr/>
-                    <a:lstStyle/>
-                    <a:p>
-                      <a:r>
-                        <a:rPr lang="es-PE" sz="1400" dirty="0"/>
-                        <a:t>Acuerdo</a:t>
-                      </a:r>
-                    </a:p>
-                  </a:txBody>
-                  <a:tcPr/>
-                </a:tc>
-                <a:extLst>
-                  <a:ext uri="{0D108BD9-81ED-4DB2-BD59-A6C34878D82A}">
-                    <a16:rowId xmlns:a16="http://schemas.microsoft.com/office/drawing/2014/main" val="1815030228"/>
-                  </a:ext>
-                </a:extLst>
-              </a:tr>
-              <a:tr h="741234">
-                <a:tc>
-                  <a:txBody>
-                    <a:bodyPr/>
-                    <a:lstStyle/>
-                    <a:p>
-                      <a:r>
-                        <a:rPr lang="es-PE" sz="1400" dirty="0"/>
-                        <a:t>Proyecto</a:t>
-                      </a:r>
-                    </a:p>
-                  </a:txBody>
-                  <a:tcPr/>
-                </a:tc>
-                <a:tc>
-                  <a:txBody>
-                    <a:bodyPr/>
-                    <a:lstStyle/>
-                    <a:p>
-                      <a:r>
-                        <a:rPr lang="es-PE" sz="1400" dirty="0"/>
-                        <a:t>Se migran</a:t>
-                      </a:r>
-                      <a:r>
-                        <a:rPr lang="es-PE" sz="1400" baseline="0" dirty="0"/>
-                        <a:t> casos Activos</a:t>
-                      </a:r>
-                      <a:endParaRPr lang="es-PE" sz="1400" dirty="0"/>
-                    </a:p>
-                  </a:txBody>
-                  <a:tcPr/>
-                </a:tc>
-                <a:extLst>
-                  <a:ext uri="{0D108BD9-81ED-4DB2-BD59-A6C34878D82A}">
-                    <a16:rowId xmlns:a16="http://schemas.microsoft.com/office/drawing/2014/main" val="3849837821"/>
-                  </a:ext>
-                </a:extLst>
-              </a:tr>
-              <a:tr h="741234">
-                <a:tc>
-                  <a:txBody>
-                    <a:bodyPr/>
-                    <a:lstStyle/>
-                    <a:p>
-                      <a:r>
-                        <a:rPr lang="es-PE" sz="1400" dirty="0"/>
-                        <a:t>Endosos</a:t>
-                      </a:r>
-                    </a:p>
-                  </a:txBody>
-                  <a:tcPr/>
-                </a:tc>
-                <a:tc>
-                  <a:txBody>
-                    <a:bodyPr/>
-                    <a:lstStyle/>
-                    <a:p>
-                      <a:r>
-                        <a:rPr lang="es-PE" sz="1400" dirty="0"/>
-                        <a:t>Dado que Sura no guarda histórico</a:t>
-                      </a:r>
-                      <a:r>
-                        <a:rPr lang="es-PE" sz="1400" baseline="0" dirty="0"/>
-                        <a:t> de los cambios en la póliza, e</a:t>
-                      </a:r>
-                      <a:r>
-                        <a:rPr lang="es-PE" sz="1400" dirty="0"/>
-                        <a:t>l</a:t>
-                      </a:r>
-                      <a:r>
-                        <a:rPr lang="es-PE" sz="1400" baseline="0" dirty="0"/>
-                        <a:t> endoso cero de la póliza contendrá la “foto actual” de la póliza en Sura</a:t>
-                      </a:r>
-                      <a:endParaRPr lang="es-PE" sz="1400" dirty="0"/>
-                    </a:p>
-                  </a:txBody>
-                  <a:tcPr/>
-                </a:tc>
-                <a:extLst>
-                  <a:ext uri="{0D108BD9-81ED-4DB2-BD59-A6C34878D82A}">
-                    <a16:rowId xmlns:a16="http://schemas.microsoft.com/office/drawing/2014/main" val="3042798932"/>
-                  </a:ext>
-                </a:extLst>
-              </a:tr>
-              <a:tr h="741234">
-                <a:tc>
-                  <a:txBody>
-                    <a:bodyPr/>
-                    <a:lstStyle/>
-                    <a:p>
-                      <a:r>
-                        <a:rPr lang="es-PE" sz="1400" dirty="0"/>
-                        <a:t>Pagos</a:t>
-                      </a:r>
-                    </a:p>
-                  </a:txBody>
-                  <a:tcPr/>
-                </a:tc>
-                <a:tc>
-                  <a:txBody>
-                    <a:bodyPr/>
-                    <a:lstStyle/>
-                    <a:p>
-                      <a:pPr marL="0" marR="0" lvl="0" indent="0" algn="l" defTabSz="914400" rtl="0" eaLnBrk="1" fontAlgn="auto" latinLnBrk="0" hangingPunct="1">
-                        <a:lnSpc>
-                          <a:spcPct val="100000"/>
-                        </a:lnSpc>
-                        <a:spcBef>
-                          <a:spcPts val="0"/>
-                        </a:spcBef>
-                        <a:spcAft>
-                          <a:spcPts val="0"/>
-                        </a:spcAft>
-                        <a:buClrTx/>
-                        <a:buSzTx/>
-                        <a:buFontTx/>
-                        <a:buNone/>
-                        <a:tabLst/>
-                        <a:defRPr/>
-                      </a:pPr>
-                      <a:r>
-                        <a:rPr lang="es-PE" sz="1400" dirty="0"/>
-                        <a:t>La llave de la póliza será la unión</a:t>
-                      </a:r>
-                      <a:r>
-                        <a:rPr lang="es-PE" sz="1400" baseline="0" dirty="0"/>
-                        <a:t> del Ramo + Póliza en Sura.</a:t>
-                      </a:r>
-                      <a:endParaRPr lang="es-PE" sz="1400" dirty="0"/>
-                    </a:p>
-                  </a:txBody>
-                  <a:tcPr/>
-                </a:tc>
-                <a:extLst>
-                  <a:ext uri="{0D108BD9-81ED-4DB2-BD59-A6C34878D82A}">
-                    <a16:rowId xmlns:a16="http://schemas.microsoft.com/office/drawing/2014/main" val="3594689390"/>
-                  </a:ext>
-                </a:extLst>
-              </a:tr>
-              <a:tr h="741234">
-                <a:tc>
-                  <a:txBody>
-                    <a:bodyPr/>
-                    <a:lstStyle/>
-                    <a:p>
-                      <a:r>
-                        <a:rPr lang="es-PE" sz="1400" dirty="0"/>
-                        <a:t>Personas</a:t>
-                      </a:r>
-                    </a:p>
-                  </a:txBody>
-                  <a:tcPr/>
-                </a:tc>
-                <a:tc>
-                  <a:txBody>
-                    <a:bodyPr/>
-                    <a:lstStyle/>
-                    <a:p>
-                      <a:r>
-                        <a:rPr lang="es-PE" sz="1400" dirty="0"/>
-                        <a:t>D</a:t>
-                      </a:r>
-                      <a:r>
-                        <a:rPr lang="es-PE" sz="1400" baseline="0" dirty="0"/>
-                        <a:t>irecciones con vía y número de vía no separada van de la misma forma.</a:t>
-                      </a:r>
-                    </a:p>
-                    <a:p>
-                      <a:r>
-                        <a:rPr lang="es-PE" sz="1400" baseline="0" dirty="0"/>
-                        <a:t>Direcciones se envía Dirección Legal.</a:t>
-                      </a:r>
-                    </a:p>
-                    <a:p>
-                      <a:r>
-                        <a:rPr lang="es-PE" sz="1400" baseline="0" dirty="0"/>
-                        <a:t>Se obvia el apellido de casada en la migración(salvo no se tenga el apellido Materno)</a:t>
-                      </a:r>
-                      <a:endParaRPr lang="es-PE" sz="1400" dirty="0"/>
-                    </a:p>
-                  </a:txBody>
-                  <a:tcPr/>
-                </a:tc>
-                <a:extLst>
-                  <a:ext uri="{0D108BD9-81ED-4DB2-BD59-A6C34878D82A}">
-                    <a16:rowId xmlns:a16="http://schemas.microsoft.com/office/drawing/2014/main" val="2955770910"/>
-                  </a:ext>
-                </a:extLst>
-              </a:tr>
-            </a:tbl>
-          </a:graphicData>
-        </a:graphic>
-      </p:graphicFrame>
+      <p:pic>
+        <p:nvPicPr>
+          <p:cNvPr id="6" name="Imagen 5"/>
+          <p:cNvPicPr>
+            <a:picLocks noChangeAspect="1"/>
+          </p:cNvPicPr>
+          <p:nvPr/>
+        </p:nvPicPr>
+        <p:blipFill>
+          <a:blip r:embed="rId3"/>
+          <a:stretch>
+            <a:fillRect/>
+          </a:stretch>
+        </p:blipFill>
+        <p:spPr>
+          <a:xfrm>
+            <a:off x="147263" y="1263650"/>
+            <a:ext cx="8844337" cy="3552190"/>
+          </a:xfrm>
+          <a:prstGeom prst="rect">
+            <a:avLst/>
+          </a:prstGeom>
+        </p:spPr>
+      </p:pic>
+      <p:pic>
+        <p:nvPicPr>
+          <p:cNvPr id="7" name="Imagen 6"/>
+          <p:cNvPicPr>
+            <a:picLocks noChangeAspect="1"/>
+          </p:cNvPicPr>
+          <p:nvPr/>
+        </p:nvPicPr>
+        <p:blipFill>
+          <a:blip r:embed="rId4"/>
+          <a:stretch>
+            <a:fillRect/>
+          </a:stretch>
+        </p:blipFill>
+        <p:spPr>
+          <a:xfrm>
+            <a:off x="1882775" y="5284152"/>
+            <a:ext cx="4362450" cy="638175"/>
+          </a:xfrm>
+          <a:prstGeom prst="rect">
+            <a:avLst/>
+          </a:prstGeom>
+        </p:spPr>
+      </p:pic>
     </p:spTree>
     <p:extLst>
       <p:ext uri="{BB962C8B-B14F-4D97-AF65-F5344CB8AC3E}">
-        <p14:creationId xmlns:p14="http://schemas.microsoft.com/office/powerpoint/2010/main" val="394886245"/>
+        <p14:creationId xmlns:p14="http://schemas.microsoft.com/office/powerpoint/2010/main" val="1088835940"/>
       </p:ext>
     </p:extLst>
   </p:cSld>
   <p:clrMapOvr>
     <a:masterClrMapping/>
   </p:clrMapOvr>
+  <p:timing>
+    <p:tnLst>
+      <p:par>
+        <p:cTn id="1" dur="indefinite" restart="never" nodeType="tmRoot"/>
+      </p:par>
+    </p:tnLst>
+  </p:timing>
 </p:sld>
 </file>
 
@@ -11380,6 +10282,131 @@
       </p:grpSpPr>
       <p:sp>
         <p:nvSpPr>
+          <p:cNvPr id="2" name="Título 1"/>
+          <p:cNvSpPr>
+            <a:spLocks noGrp="1"/>
+          </p:cNvSpPr>
+          <p:nvPr>
+            <p:ph type="title"/>
+          </p:nvPr>
+        </p:nvSpPr>
+        <p:spPr/>
+        <p:txBody>
+          <a:bodyPr/>
+          <a:lstStyle/>
+          <a:p>
+            <a:r>
+              <a:rPr lang="es-PE" dirty="0">
+                <a:solidFill>
+                  <a:schemeClr val="bg1"/>
+                </a:solidFill>
+                <a:latin typeface="Arial"/>
+                <a:ea typeface="Arial"/>
+                <a:cs typeface="Arial"/>
+              </a:rPr>
+              <a:t>Desarrollo – </a:t>
+            </a:r>
+            <a:r>
+              <a:rPr lang="es-PE" dirty="0" smtClean="0">
+                <a:solidFill>
+                  <a:schemeClr val="bg1"/>
+                </a:solidFill>
+                <a:latin typeface="Arial"/>
+                <a:ea typeface="Arial"/>
+                <a:cs typeface="Arial"/>
+              </a:rPr>
+              <a:t>Con </a:t>
+            </a:r>
+            <a:r>
+              <a:rPr lang="es-PE" dirty="0">
+                <a:solidFill>
+                  <a:schemeClr val="bg1"/>
+                </a:solidFill>
+                <a:latin typeface="Arial"/>
+                <a:ea typeface="Arial"/>
+                <a:cs typeface="Arial"/>
+              </a:rPr>
+              <a:t>IOP</a:t>
+            </a:r>
+            <a:endParaRPr lang="es-PE" dirty="0"/>
+          </a:p>
+        </p:txBody>
+      </p:sp>
+      <p:sp>
+        <p:nvSpPr>
+          <p:cNvPr id="3" name="Marcador de contenido 2"/>
+          <p:cNvSpPr>
+            <a:spLocks noGrp="1"/>
+          </p:cNvSpPr>
+          <p:nvPr>
+            <p:ph idx="1"/>
+          </p:nvPr>
+        </p:nvSpPr>
+        <p:spPr/>
+        <p:txBody>
+          <a:bodyPr/>
+          <a:lstStyle/>
+          <a:p>
+            <a:endParaRPr lang="es-PE" dirty="0"/>
+          </a:p>
+        </p:txBody>
+      </p:sp>
+      <p:pic>
+        <p:nvPicPr>
+          <p:cNvPr id="4" name="Imagen 3"/>
+          <p:cNvPicPr>
+            <a:picLocks noChangeAspect="1"/>
+          </p:cNvPicPr>
+          <p:nvPr/>
+        </p:nvPicPr>
+        <p:blipFill>
+          <a:blip r:embed="rId2"/>
+          <a:stretch>
+            <a:fillRect/>
+          </a:stretch>
+        </p:blipFill>
+        <p:spPr>
+          <a:xfrm>
+            <a:off x="467544" y="2377440"/>
+            <a:ext cx="8229600" cy="2316479"/>
+          </a:xfrm>
+          <a:prstGeom prst="rect">
+            <a:avLst/>
+          </a:prstGeom>
+        </p:spPr>
+      </p:pic>
+    </p:spTree>
+    <p:extLst>
+      <p:ext uri="{BB962C8B-B14F-4D97-AF65-F5344CB8AC3E}">
+        <p14:creationId xmlns:p14="http://schemas.microsoft.com/office/powerpoint/2010/main" val="3030486518"/>
+      </p:ext>
+    </p:extLst>
+  </p:cSld>
+  <p:clrMapOvr>
+    <a:masterClrMapping/>
+  </p:clrMapOvr>
+</p:sld>
+</file>
+
+<file path=ppt/slides/slide7.xml><?xml version="1.0" encoding="utf-8"?>
+<p:sld xmlns:a="http://schemas.openxmlformats.org/drawingml/2006/main" xmlns:r="http://schemas.openxmlformats.org/officeDocument/2006/relationships" xmlns:p="http://schemas.openxmlformats.org/presentationml/2006/main">
+  <p:cSld>
+    <p:spTree>
+      <p:nvGrpSpPr>
+        <p:cNvPr id="1" name=""/>
+        <p:cNvGrpSpPr/>
+        <p:nvPr/>
+      </p:nvGrpSpPr>
+      <p:grpSpPr>
+        <a:xfrm>
+          <a:off x="0" y="0"/>
+          <a:ext cx="0" cy="0"/>
+          <a:chOff x="0" y="0"/>
+          <a:chExt cx="0" cy="0"/>
+        </a:xfrm>
+      </p:grpSpPr>
+      <p:sp>
+        <p:nvSpPr>
           <p:cNvPr id="4" name="Título 1"/>
           <p:cNvSpPr txBox="1">
             <a:spLocks/>
@@ -11557,7 +10584,7 @@
           <a:p>
             <a:pPr algn="l" defTabSz="914400"/>
             <a:r>
-              <a:rPr lang="es-PE" dirty="0">
+              <a:rPr lang="es-PE" dirty="0" smtClean="0">
                 <a:solidFill>
                   <a:schemeClr val="bg1"/>
                 </a:solidFill>
@@ -11565,7 +10592,7 @@
                 <a:ea typeface="Arial"/>
                 <a:cs typeface="Arial"/>
               </a:rPr>
-              <a:t>Riesgos Identificados</a:t>
+              <a:t>Costos Desarrollo – Con IOP</a:t>
             </a:r>
             <a:endParaRPr lang="es-PE" dirty="0">
               <a:solidFill>
@@ -11575,430 +10602,158 @@
           </a:p>
         </p:txBody>
       </p:sp>
-      <p:graphicFrame>
-        <p:nvGraphicFramePr>
-          <p:cNvPr id="5" name="Tabla 4"/>
-          <p:cNvGraphicFramePr>
-            <a:graphicFrameLocks noGrp="1"/>
-          </p:cNvGraphicFramePr>
-          <p:nvPr>
-            <p:extLst>
-              <p:ext uri="{D42A27DB-BD31-4B8C-83A1-F6EECF244321}">
-                <p14:modId xmlns:p14="http://schemas.microsoft.com/office/powerpoint/2010/main" val="3060773825"/>
-              </p:ext>
-            </p:extLst>
-          </p:nvPr>
-        </p:nvGraphicFramePr>
-        <p:xfrm>
-          <a:off x="271850" y="1557637"/>
-          <a:ext cx="8526160" cy="3458521"/>
-        </p:xfrm>
-        <a:graphic>
-          <a:graphicData uri="http://schemas.openxmlformats.org/drawingml/2006/table">
-            <a:tbl>
-              <a:tblPr firstRow="1" bandRow="1">
-                <a:tableStyleId>{5C22544A-7EE6-4342-B048-85BDC9FD1C3A}</a:tableStyleId>
-              </a:tblPr>
-              <a:tblGrid>
-                <a:gridCol w="2669058">
-                  <a:extLst>
-                    <a:ext uri="{9D8B030D-6E8A-4147-A177-3AD203B41FA5}">
-                      <a16:colId xmlns:a16="http://schemas.microsoft.com/office/drawing/2014/main" val="6660775"/>
-                    </a:ext>
-                  </a:extLst>
-                </a:gridCol>
-                <a:gridCol w="1050324">
-                  <a:extLst>
-                    <a:ext uri="{9D8B030D-6E8A-4147-A177-3AD203B41FA5}">
-                      <a16:colId xmlns:a16="http://schemas.microsoft.com/office/drawing/2014/main" val="2526986973"/>
-                    </a:ext>
-                  </a:extLst>
-                </a:gridCol>
-                <a:gridCol w="3546390">
-                  <a:extLst>
-                    <a:ext uri="{9D8B030D-6E8A-4147-A177-3AD203B41FA5}">
-                      <a16:colId xmlns:a16="http://schemas.microsoft.com/office/drawing/2014/main" val="3223036620"/>
-                    </a:ext>
-                  </a:extLst>
-                </a:gridCol>
-                <a:gridCol w="1260388">
-                  <a:extLst>
-                    <a:ext uri="{9D8B030D-6E8A-4147-A177-3AD203B41FA5}">
-                      <a16:colId xmlns:a16="http://schemas.microsoft.com/office/drawing/2014/main" val="2881764983"/>
-                    </a:ext>
-                  </a:extLst>
-                </a:gridCol>
-              </a:tblGrid>
-              <a:tr h="493585">
-                <a:tc>
-                  <a:txBody>
-                    <a:bodyPr/>
-                    <a:lstStyle/>
-                    <a:p>
-                      <a:r>
-                        <a:rPr lang="es-PE" sz="1400" dirty="0"/>
-                        <a:t>Riesgo</a:t>
-                      </a:r>
-                    </a:p>
-                  </a:txBody>
-                  <a:tcPr/>
-                </a:tc>
-                <a:tc>
-                  <a:txBody>
-                    <a:bodyPr/>
-                    <a:lstStyle/>
-                    <a:p>
-                      <a:r>
-                        <a:rPr lang="es-PE" sz="1400" dirty="0"/>
-                        <a:t>Tipo</a:t>
-                      </a:r>
-                    </a:p>
-                  </a:txBody>
-                  <a:tcPr/>
-                </a:tc>
-                <a:tc>
-                  <a:txBody>
-                    <a:bodyPr/>
-                    <a:lstStyle/>
-                    <a:p>
-                      <a:r>
-                        <a:rPr lang="es-PE" sz="1400" dirty="0"/>
-                        <a:t>Resolución</a:t>
-                      </a:r>
-                    </a:p>
-                  </a:txBody>
-                  <a:tcPr/>
-                </a:tc>
-                <a:tc>
-                  <a:txBody>
-                    <a:bodyPr/>
-                    <a:lstStyle/>
-                    <a:p>
-                      <a:r>
-                        <a:rPr lang="es-PE" sz="1400" dirty="0"/>
-                        <a:t>Estado</a:t>
-                      </a:r>
-                    </a:p>
-                  </a:txBody>
-                  <a:tcPr/>
-                </a:tc>
-                <a:extLst>
-                  <a:ext uri="{0D108BD9-81ED-4DB2-BD59-A6C34878D82A}">
-                    <a16:rowId xmlns:a16="http://schemas.microsoft.com/office/drawing/2014/main" val="1815030228"/>
-                  </a:ext>
-                </a:extLst>
-              </a:tr>
-              <a:tr h="741234">
-                <a:tc>
-                  <a:txBody>
-                    <a:bodyPr/>
-                    <a:lstStyle/>
-                    <a:p>
-                      <a:r>
-                        <a:rPr lang="es-PE" sz="1400" dirty="0"/>
-                        <a:t>Falta de disponibilidad de</a:t>
-                      </a:r>
-                      <a:r>
-                        <a:rPr lang="es-PE" sz="1400" baseline="0" dirty="0"/>
-                        <a:t> recursos </a:t>
-                      </a:r>
-                      <a:r>
-                        <a:rPr lang="es-PE" sz="1400" baseline="0" dirty="0" err="1"/>
-                        <a:t>Interseguro</a:t>
-                      </a:r>
-                      <a:r>
-                        <a:rPr lang="es-PE" sz="1400" baseline="0" dirty="0"/>
-                        <a:t>, para concluir el Mapeo</a:t>
-                      </a:r>
-                      <a:endParaRPr lang="es-PE" sz="1400" dirty="0"/>
-                    </a:p>
-                  </a:txBody>
-                  <a:tcPr/>
-                </a:tc>
-                <a:tc>
-                  <a:txBody>
-                    <a:bodyPr/>
-                    <a:lstStyle/>
-                    <a:p>
-                      <a:r>
-                        <a:rPr lang="es-PE" sz="1400" dirty="0"/>
-                        <a:t>Alto</a:t>
-                      </a:r>
-                    </a:p>
-                  </a:txBody>
-                  <a:tcPr/>
-                </a:tc>
-                <a:tc>
-                  <a:txBody>
-                    <a:bodyPr/>
-                    <a:lstStyle/>
-                    <a:p>
-                      <a:r>
-                        <a:rPr lang="es-PE" sz="1400" dirty="0"/>
-                        <a:t>Coordinar más horas de atención</a:t>
-                      </a:r>
-                    </a:p>
-                  </a:txBody>
-                  <a:tcPr/>
-                </a:tc>
-                <a:tc>
-                  <a:txBody>
-                    <a:bodyPr/>
-                    <a:lstStyle/>
-                    <a:p>
-                      <a:r>
-                        <a:rPr lang="es-PE" sz="1400" dirty="0"/>
-                        <a:t>Pendiente</a:t>
-                      </a:r>
-                    </a:p>
-                  </a:txBody>
-                  <a:tcPr/>
-                </a:tc>
-                <a:extLst>
-                  <a:ext uri="{0D108BD9-81ED-4DB2-BD59-A6C34878D82A}">
-                    <a16:rowId xmlns:a16="http://schemas.microsoft.com/office/drawing/2014/main" val="3849837821"/>
-                  </a:ext>
-                </a:extLst>
-              </a:tr>
-              <a:tr h="741234">
-                <a:tc>
-                  <a:txBody>
-                    <a:bodyPr/>
-                    <a:lstStyle/>
-                    <a:p>
-                      <a:r>
-                        <a:rPr lang="es-PE" sz="1400" dirty="0"/>
-                        <a:t>Sura no almacena la historia de</a:t>
-                      </a:r>
-                      <a:r>
-                        <a:rPr lang="es-PE" sz="1400" baseline="0" dirty="0"/>
-                        <a:t> cada cambio a nivel de póliza o Beneficiario</a:t>
-                      </a:r>
-                      <a:endParaRPr lang="es-PE" sz="1400" dirty="0"/>
-                    </a:p>
-                  </a:txBody>
-                  <a:tcPr/>
-                </a:tc>
-                <a:tc>
-                  <a:txBody>
-                    <a:bodyPr/>
-                    <a:lstStyle/>
-                    <a:p>
-                      <a:r>
-                        <a:rPr lang="es-PE" sz="1400" dirty="0"/>
-                        <a:t>Alto</a:t>
-                      </a:r>
-                    </a:p>
-                  </a:txBody>
-                  <a:tcPr/>
-                </a:tc>
-                <a:tc>
-                  <a:txBody>
-                    <a:bodyPr/>
-                    <a:lstStyle/>
-                    <a:p>
-                      <a:r>
-                        <a:rPr lang="es-PE" sz="1400" dirty="0"/>
-                        <a:t>Se enviarán en algunos</a:t>
-                      </a:r>
-                      <a:r>
-                        <a:rPr lang="es-PE" sz="1400" baseline="0" dirty="0"/>
-                        <a:t> casos la Data a la fecha de hoy, y en otros hay que hacer lógica para reconstruir el Dato</a:t>
-                      </a:r>
-                      <a:endParaRPr lang="es-PE" sz="1400" dirty="0"/>
-                    </a:p>
-                  </a:txBody>
-                  <a:tcPr/>
-                </a:tc>
-                <a:tc>
-                  <a:txBody>
-                    <a:bodyPr/>
-                    <a:lstStyle/>
-                    <a:p>
-                      <a:r>
-                        <a:rPr lang="es-PE" sz="1400" dirty="0"/>
-                        <a:t>Pendiente</a:t>
-                      </a:r>
-                    </a:p>
-                  </a:txBody>
-                  <a:tcPr/>
-                </a:tc>
-                <a:extLst>
-                  <a:ext uri="{0D108BD9-81ED-4DB2-BD59-A6C34878D82A}">
-                    <a16:rowId xmlns:a16="http://schemas.microsoft.com/office/drawing/2014/main" val="3042798932"/>
-                  </a:ext>
-                </a:extLst>
-              </a:tr>
-              <a:tr h="741234">
-                <a:tc>
-                  <a:txBody>
-                    <a:bodyPr/>
-                    <a:lstStyle/>
-                    <a:p>
-                      <a:r>
-                        <a:rPr lang="es-PE" sz="1400" dirty="0"/>
-                        <a:t>Inclusión de nuevas</a:t>
-                      </a:r>
-                      <a:r>
-                        <a:rPr lang="es-PE" sz="1400" baseline="0" dirty="0"/>
-                        <a:t> “Entidades” al proceso de migración</a:t>
-                      </a:r>
-                      <a:endParaRPr lang="es-PE" sz="1400" dirty="0"/>
-                    </a:p>
-                  </a:txBody>
-                  <a:tcPr/>
-                </a:tc>
-                <a:tc>
-                  <a:txBody>
-                    <a:bodyPr/>
-                    <a:lstStyle/>
-                    <a:p>
-                      <a:pPr marL="0" marR="0" lvl="0" indent="0" algn="l" defTabSz="914400" rtl="0" eaLnBrk="1" fontAlgn="auto" latinLnBrk="0" hangingPunct="1">
-                        <a:lnSpc>
-                          <a:spcPct val="100000"/>
-                        </a:lnSpc>
-                        <a:spcBef>
-                          <a:spcPts val="0"/>
-                        </a:spcBef>
-                        <a:spcAft>
-                          <a:spcPts val="0"/>
-                        </a:spcAft>
-                        <a:buClrTx/>
-                        <a:buSzTx/>
-                        <a:buFontTx/>
-                        <a:buNone/>
-                        <a:tabLst/>
-                        <a:defRPr/>
-                      </a:pPr>
-                      <a:r>
-                        <a:rPr lang="es-PE" sz="1400" dirty="0"/>
-                        <a:t>Alto</a:t>
-                      </a:r>
-                    </a:p>
-                  </a:txBody>
-                  <a:tcPr/>
-                </a:tc>
-                <a:tc>
-                  <a:txBody>
-                    <a:bodyPr/>
-                    <a:lstStyle/>
-                    <a:p>
-                      <a:pPr marL="0" marR="0" lvl="0" indent="0" algn="l" defTabSz="914400" rtl="0" eaLnBrk="1" fontAlgn="auto" latinLnBrk="0" hangingPunct="1">
-                        <a:lnSpc>
-                          <a:spcPct val="100000"/>
-                        </a:lnSpc>
-                        <a:spcBef>
-                          <a:spcPts val="0"/>
-                        </a:spcBef>
-                        <a:spcAft>
-                          <a:spcPts val="0"/>
-                        </a:spcAft>
-                        <a:buClrTx/>
-                        <a:buSzTx/>
-                        <a:buFontTx/>
-                        <a:buNone/>
-                        <a:tabLst/>
-                        <a:defRPr/>
-                      </a:pPr>
-                      <a:r>
-                        <a:rPr lang="es-PE" sz="1400" dirty="0"/>
-                        <a:t>- </a:t>
-                      </a:r>
-                    </a:p>
-                  </a:txBody>
-                  <a:tcPr/>
-                </a:tc>
-                <a:tc>
-                  <a:txBody>
-                    <a:bodyPr/>
-                    <a:lstStyle/>
-                    <a:p>
-                      <a:pPr marL="0" marR="0" lvl="0" indent="0" algn="l" defTabSz="914400" rtl="0" eaLnBrk="1" fontAlgn="auto" latinLnBrk="0" hangingPunct="1">
-                        <a:lnSpc>
-                          <a:spcPct val="100000"/>
-                        </a:lnSpc>
-                        <a:spcBef>
-                          <a:spcPts val="0"/>
-                        </a:spcBef>
-                        <a:spcAft>
-                          <a:spcPts val="0"/>
-                        </a:spcAft>
-                        <a:buClrTx/>
-                        <a:buSzTx/>
-                        <a:buFontTx/>
-                        <a:buNone/>
-                        <a:tabLst/>
-                        <a:defRPr/>
-                      </a:pPr>
-                      <a:r>
-                        <a:rPr lang="es-PE" sz="1400" dirty="0"/>
-                        <a:t>Pendiente</a:t>
-                      </a:r>
-                    </a:p>
-                  </a:txBody>
-                  <a:tcPr/>
-                </a:tc>
-                <a:extLst>
-                  <a:ext uri="{0D108BD9-81ED-4DB2-BD59-A6C34878D82A}">
-                    <a16:rowId xmlns:a16="http://schemas.microsoft.com/office/drawing/2014/main" val="3594689390"/>
-                  </a:ext>
-                </a:extLst>
-              </a:tr>
-              <a:tr h="741234">
-                <a:tc>
-                  <a:txBody>
-                    <a:bodyPr/>
-                    <a:lstStyle/>
-                    <a:p>
-                      <a:endParaRPr lang="es-PE" sz="1400" dirty="0"/>
-                    </a:p>
-                  </a:txBody>
-                  <a:tcPr/>
-                </a:tc>
-                <a:tc>
-                  <a:txBody>
-                    <a:bodyPr/>
-                    <a:lstStyle/>
-                    <a:p>
-                      <a:endParaRPr lang="es-PE" sz="1400" dirty="0"/>
-                    </a:p>
-                  </a:txBody>
-                  <a:tcPr/>
-                </a:tc>
-                <a:tc>
-                  <a:txBody>
-                    <a:bodyPr/>
-                    <a:lstStyle/>
-                    <a:p>
-                      <a:endParaRPr lang="es-PE" sz="1400" dirty="0"/>
-                    </a:p>
-                  </a:txBody>
-                  <a:tcPr/>
-                </a:tc>
-                <a:tc>
-                  <a:txBody>
-                    <a:bodyPr/>
-                    <a:lstStyle/>
-                    <a:p>
-                      <a:endParaRPr lang="es-PE" sz="1400" dirty="0"/>
-                    </a:p>
-                  </a:txBody>
-                  <a:tcPr/>
-                </a:tc>
-                <a:extLst>
-                  <a:ext uri="{0D108BD9-81ED-4DB2-BD59-A6C34878D82A}">
-                    <a16:rowId xmlns:a16="http://schemas.microsoft.com/office/drawing/2014/main" val="2955770910"/>
-                  </a:ext>
-                </a:extLst>
-              </a:tr>
-            </a:tbl>
-          </a:graphicData>
-        </a:graphic>
-      </p:graphicFrame>
+      <p:pic>
+        <p:nvPicPr>
+          <p:cNvPr id="2" name="Imagen 1"/>
+          <p:cNvPicPr>
+            <a:picLocks noChangeAspect="1"/>
+          </p:cNvPicPr>
+          <p:nvPr/>
+        </p:nvPicPr>
+        <p:blipFill>
+          <a:blip r:embed="rId3"/>
+          <a:stretch>
+            <a:fillRect/>
+          </a:stretch>
+        </p:blipFill>
+        <p:spPr>
+          <a:xfrm>
+            <a:off x="284479" y="1477327"/>
+            <a:ext cx="8717281" cy="3476625"/>
+          </a:xfrm>
+          <a:prstGeom prst="rect">
+            <a:avLst/>
+          </a:prstGeom>
+        </p:spPr>
+      </p:pic>
+      <p:pic>
+        <p:nvPicPr>
+          <p:cNvPr id="7" name="Imagen 6"/>
+          <p:cNvPicPr>
+            <a:picLocks noChangeAspect="1"/>
+          </p:cNvPicPr>
+          <p:nvPr/>
+        </p:nvPicPr>
+        <p:blipFill>
+          <a:blip r:embed="rId4"/>
+          <a:stretch>
+            <a:fillRect/>
+          </a:stretch>
+        </p:blipFill>
+        <p:spPr>
+          <a:xfrm>
+            <a:off x="421957" y="5401116"/>
+            <a:ext cx="4581525" cy="714375"/>
+          </a:xfrm>
+          <a:prstGeom prst="rect">
+            <a:avLst/>
+          </a:prstGeom>
+        </p:spPr>
+      </p:pic>
     </p:spTree>
     <p:extLst>
       <p:ext uri="{BB962C8B-B14F-4D97-AF65-F5344CB8AC3E}">
-        <p14:creationId xmlns:p14="http://schemas.microsoft.com/office/powerpoint/2010/main" val="151653516"/>
+        <p14:creationId xmlns:p14="http://schemas.microsoft.com/office/powerpoint/2010/main" val="244066807"/>
+      </p:ext>
+    </p:extLst>
+  </p:cSld>
+  <p:clrMapOvr>
+    <a:masterClrMapping/>
+  </p:clrMapOvr>
+  <p:timing>
+    <p:tnLst>
+      <p:par>
+        <p:cTn id="1" dur="indefinite" restart="never" nodeType="tmRoot"/>
+      </p:par>
+    </p:tnLst>
+  </p:timing>
+</p:sld>
+</file>
+
+<file path=ppt/slides/slide8.xml><?xml version="1.0" encoding="utf-8"?>
+<p:sld xmlns:a="http://schemas.openxmlformats.org/drawingml/2006/main" xmlns:r="http://schemas.openxmlformats.org/officeDocument/2006/relationships" xmlns:p="http://schemas.openxmlformats.org/presentationml/2006/main">
+  <p:cSld>
+    <p:spTree>
+      <p:nvGrpSpPr>
+        <p:cNvPr id="1" name=""/>
+        <p:cNvGrpSpPr/>
+        <p:nvPr/>
+      </p:nvGrpSpPr>
+      <p:grpSpPr>
+        <a:xfrm>
+          <a:off x="0" y="0"/>
+          <a:ext cx="0" cy="0"/>
+          <a:chOff x="0" y="0"/>
+          <a:chExt cx="0" cy="0"/>
+        </a:xfrm>
+      </p:grpSpPr>
+      <p:sp>
+        <p:nvSpPr>
+          <p:cNvPr id="2" name="Título 1"/>
+          <p:cNvSpPr>
+            <a:spLocks noGrp="1"/>
+          </p:cNvSpPr>
+          <p:nvPr>
+            <p:ph type="title"/>
+          </p:nvPr>
+        </p:nvSpPr>
+        <p:spPr/>
+        <p:txBody>
+          <a:bodyPr/>
+          <a:lstStyle/>
+          <a:p>
+            <a:r>
+              <a:rPr lang="es-PE" dirty="0" smtClean="0">
+                <a:solidFill>
+                  <a:schemeClr val="bg1"/>
+                </a:solidFill>
+              </a:rPr>
+              <a:t>Infraestructura</a:t>
+            </a:r>
+            <a:endParaRPr lang="es-PE" dirty="0">
+              <a:solidFill>
+                <a:schemeClr val="bg1"/>
+              </a:solidFill>
+            </a:endParaRPr>
+          </a:p>
+        </p:txBody>
+      </p:sp>
+      <p:pic>
+        <p:nvPicPr>
+          <p:cNvPr id="4" name="Marcador de contenido 3"/>
+          <p:cNvPicPr>
+            <a:picLocks noGrp="1" noChangeAspect="1"/>
+          </p:cNvPicPr>
+          <p:nvPr>
+            <p:ph idx="1"/>
+          </p:nvPr>
+        </p:nvPicPr>
+        <p:blipFill>
+          <a:blip r:embed="rId2">
+            <a:extLst>
+              <a:ext uri="{28A0092B-C50C-407E-A947-70E740481C1C}">
+                <a14:useLocalDpi xmlns:a14="http://schemas.microsoft.com/office/drawing/2010/main" val="0"/>
+              </a:ext>
+            </a:extLst>
+          </a:blip>
+          <a:stretch>
+            <a:fillRect/>
+          </a:stretch>
+        </p:blipFill>
+        <p:spPr>
+          <a:xfrm>
+            <a:off x="620160" y="1747520"/>
+            <a:ext cx="7925906" cy="3714513"/>
+          </a:xfrm>
+          <a:prstGeom prst="rect">
+            <a:avLst/>
+          </a:prstGeom>
+        </p:spPr>
+      </p:pic>
+    </p:spTree>
+    <p:extLst>
+      <p:ext uri="{BB962C8B-B14F-4D97-AF65-F5344CB8AC3E}">
+        <p14:creationId xmlns:p14="http://schemas.microsoft.com/office/powerpoint/2010/main" val="2696488190"/>
       </p:ext>
     </p:extLst>
   </p:cSld>
@@ -12008,7 +10763,7 @@
 </p:sld>
 </file>
 
-<file path=ppt/slides/slide7.xml><?xml version="1.0" encoding="utf-8"?>
+<file path=ppt/slides/slide9.xml><?xml version="1.0" encoding="utf-8"?>
 <p:sld xmlns:a="http://schemas.openxmlformats.org/drawingml/2006/main" xmlns:r="http://schemas.openxmlformats.org/officeDocument/2006/relationships" xmlns:p="http://schemas.openxmlformats.org/presentationml/2006/main">
   <p:cSld>
     <p:spTree>
@@ -12187,15 +10942,32 @@
           </a:p>
           <a:p>
             <a:r>
-              <a:rPr lang="es-PE" sz="2000" b="1" dirty="0">
+              <a:rPr lang="es-PE" sz="2000" b="1" dirty="0" smtClean="0">
                 <a:solidFill>
                   <a:schemeClr val="bg1"/>
                 </a:solidFill>
                 <a:latin typeface="Trebuchet MS" pitchFamily="34" charset="0"/>
                 <a:cs typeface="Arial" pitchFamily="34" charset="0"/>
               </a:rPr>
-              <a:t>Julio 2017</a:t>
-            </a:r>
+              <a:t>Agosto</a:t>
+            </a:r>
+            <a:r>
+              <a:rPr lang="es-PE" sz="2000" b="1" dirty="0" smtClean="0">
+                <a:solidFill>
+                  <a:schemeClr val="bg1"/>
+                </a:solidFill>
+                <a:latin typeface="Trebuchet MS" pitchFamily="34" charset="0"/>
+                <a:cs typeface="Arial" pitchFamily="34" charset="0"/>
+              </a:rPr>
+              <a:t> 2018</a:t>
+            </a:r>
+            <a:endParaRPr lang="es-PE" sz="2000" b="1" dirty="0">
+              <a:solidFill>
+                <a:schemeClr val="bg1"/>
+              </a:solidFill>
+              <a:latin typeface="Trebuchet MS" pitchFamily="34" charset="0"/>
+              <a:cs typeface="Arial" pitchFamily="34" charset="0"/>
+            </a:endParaRPr>
           </a:p>
           <a:p>
             <a:endParaRPr lang="es-PE" b="1" dirty="0">
@@ -12347,7 +11119,7 @@
             <a:fld id="{2AE108C8-88F2-4CA9-BC07-BD40D730D88E}" type="slidenum">
               <a:rPr lang="es-ES" smtClean="0"/>
               <a:pPr/>
-              <a:t>7</a:t>
+              <a:t>9</a:t>
             </a:fld>
             <a:endParaRPr lang="es-ES" dirty="0"/>
           </a:p>
@@ -13654,18 +12426,18 @@
 </file>
 
 <file path=customXml/item2.xml><?xml version="1.0" encoding="utf-8"?>
-<p:properties xmlns:p="http://schemas.microsoft.com/office/2006/metadata/properties" xmlns:xsi="http://www.w3.org/2001/XMLSchema-instance" xmlns:pc="http://schemas.microsoft.com/office/infopath/2007/PartnerControls">
-  <documentManagement/>
-</p:properties>
-</file>
-
-<file path=customXml/item3.xml><?xml version="1.0" encoding="utf-8"?>
 <?mso-contentType ?>
 <FormTemplates xmlns="http://schemas.microsoft.com/sharepoint/v3/contenttype/forms">
   <Display>DocumentLibraryForm</Display>
   <Edit>DocumentLibraryForm</Edit>
   <New>DocumentLibraryForm</New>
 </FormTemplates>
+</file>
+
+<file path=customXml/item3.xml><?xml version="1.0" encoding="utf-8"?>
+<p:properties xmlns:p="http://schemas.microsoft.com/office/2006/metadata/properties" xmlns:xsi="http://www.w3.org/2001/XMLSchema-instance" xmlns:pc="http://schemas.microsoft.com/office/infopath/2007/PartnerControls">
+  <documentManagement/>
+</p:properties>
 </file>
 
 <file path=customXml/itemProps1.xml><?xml version="1.0" encoding="utf-8"?>
@@ -13685,24 +12457,24 @@
 </file>
 
 <file path=customXml/itemProps2.xml><?xml version="1.0" encoding="utf-8"?>
-<ds:datastoreItem xmlns:ds="http://schemas.openxmlformats.org/officeDocument/2006/customXml" ds:itemID="{C95A4552-BEE8-41AD-804F-DBC222E9A531}">
+<ds:datastoreItem xmlns:ds="http://schemas.openxmlformats.org/officeDocument/2006/customXml" ds:itemID="{0AAA11B6-9134-43D8-AC98-2E02FD8DD077}">
   <ds:schemaRefs>
-    <ds:schemaRef ds:uri="http://purl.org/dc/terms/"/>
-    <ds:schemaRef ds:uri="http://schemas.openxmlformats.org/package/2006/metadata/core-properties"/>
-    <ds:schemaRef ds:uri="http://schemas.microsoft.com/office/2006/documentManagement/types"/>
-    <ds:schemaRef ds:uri="http://schemas.microsoft.com/office/infopath/2007/PartnerControls"/>
-    <ds:schemaRef ds:uri="http://purl.org/dc/elements/1.1/"/>
-    <ds:schemaRef ds:uri="http://schemas.microsoft.com/office/2006/metadata/properties"/>
-    <ds:schemaRef ds:uri="http://www.w3.org/XML/1998/namespace"/>
-    <ds:schemaRef ds:uri="http://purl.org/dc/dcmitype/"/>
+    <ds:schemaRef ds:uri="http://schemas.microsoft.com/sharepoint/v3/contenttype/forms"/>
   </ds:schemaRefs>
 </ds:datastoreItem>
 </file>
 
 <file path=customXml/itemProps3.xml><?xml version="1.0" encoding="utf-8"?>
-<ds:datastoreItem xmlns:ds="http://schemas.openxmlformats.org/officeDocument/2006/customXml" ds:itemID="{0AAA11B6-9134-43D8-AC98-2E02FD8DD077}">
+<ds:datastoreItem xmlns:ds="http://schemas.openxmlformats.org/officeDocument/2006/customXml" ds:itemID="{C95A4552-BEE8-41AD-804F-DBC222E9A531}">
   <ds:schemaRefs>
-    <ds:schemaRef ds:uri="http://schemas.microsoft.com/sharepoint/v3/contenttype/forms"/>
+    <ds:schemaRef ds:uri="http://purl.org/dc/terms/"/>
+    <ds:schemaRef ds:uri="http://schemas.microsoft.com/office/2006/documentManagement/types"/>
+    <ds:schemaRef ds:uri="http://purl.org/dc/dcmitype/"/>
+    <ds:schemaRef ds:uri="http://schemas.microsoft.com/office/infopath/2007/PartnerControls"/>
+    <ds:schemaRef ds:uri="http://purl.org/dc/elements/1.1/"/>
+    <ds:schemaRef ds:uri="http://schemas.microsoft.com/office/2006/metadata/properties"/>
+    <ds:schemaRef ds:uri="http://schemas.openxmlformats.org/package/2006/metadata/core-properties"/>
+    <ds:schemaRef ds:uri="http://www.w3.org/XML/1998/namespace"/>
   </ds:schemaRefs>
 </ds:datastoreItem>
 </file>